--- a/presentation-mvg.pptx
+++ b/presentation-mvg.pptx
@@ -7,14 +7,17 @@
   <p:notesMasterIdLst>
     <p:notesMasterId r:id="rId9"/>
   </p:notesMasterIdLst>
+  <p:handoutMasterIdLst>
+    <p:handoutMasterId r:id="rId10"/>
+  </p:handoutMasterIdLst>
   <p:sldIdLst>
     <p:sldId id="256" r:id="rId2"/>
-    <p:sldId id="258" r:id="rId3"/>
-    <p:sldId id="259" r:id="rId4"/>
-    <p:sldId id="260" r:id="rId5"/>
-    <p:sldId id="261" r:id="rId6"/>
-    <p:sldId id="262" r:id="rId7"/>
-    <p:sldId id="263" r:id="rId8"/>
+    <p:sldId id="260" r:id="rId3"/>
+    <p:sldId id="264" r:id="rId4"/>
+    <p:sldId id="265" r:id="rId5"/>
+    <p:sldId id="263" r:id="rId6"/>
+    <p:sldId id="266" r:id="rId7"/>
+    <p:sldId id="268" r:id="rId8"/>
   </p:sldIdLst>
   <p:sldSz cx="12192000" cy="6858000"/>
   <p:notesSz cx="6858000" cy="9144000"/>
@@ -113,7 +116,177 @@
       </a:defRPr>
     </a:lvl9pPr>
   </p:defaultTextStyle>
+  <p:extLst>
+    <p:ext uri="{EFAFB233-063F-42B5-8137-9DF3F51BA10A}">
+      <p15:sldGuideLst xmlns:p15="http://schemas.microsoft.com/office/powerpoint/2012/main"/>
+    </p:ext>
+  </p:extLst>
 </p:presentation>
+</file>
+
+<file path=ppt/handoutMasters/handoutMaster1.xml><?xml version="1.0" encoding="utf-8"?>
+<p:handoutMaster xmlns:a="http://schemas.openxmlformats.org/drawingml/2006/main" xmlns:r="http://schemas.openxmlformats.org/officeDocument/2006/relationships" xmlns:p="http://schemas.openxmlformats.org/presentationml/2006/main">
+  <p:cSld>
+    <p:bg>
+      <p:bgRef idx="1001">
+        <a:schemeClr val="bg1"/>
+      </p:bgRef>
+    </p:bg>
+    <p:spTree>
+      <p:nvGrpSpPr>
+        <p:cNvPr id="1" name=""/>
+        <p:cNvGrpSpPr/>
+        <p:nvPr/>
+      </p:nvGrpSpPr>
+      <p:grpSpPr>
+        <a:xfrm>
+          <a:off x="0" y="0"/>
+          <a:ext cx="0" cy="0"/>
+          <a:chOff x="0" y="0"/>
+          <a:chExt cx="0" cy="0"/>
+        </a:xfrm>
+      </p:grpSpPr>
+      <p:sp>
+        <p:nvSpPr>
+          <p:cNvPr id="2" name="Header Placeholder 1"/>
+          <p:cNvSpPr>
+            <a:spLocks noGrp="1"/>
+          </p:cNvSpPr>
+          <p:nvPr>
+            <p:ph type="hdr" sz="quarter"/>
+          </p:nvPr>
+        </p:nvSpPr>
+        <p:spPr>
+          <a:xfrm>
+            <a:off x="0" y="0"/>
+            <a:ext cx="2971800" cy="458788"/>
+          </a:xfrm>
+          <a:prstGeom prst="rect">
+            <a:avLst/>
+          </a:prstGeom>
+        </p:spPr>
+        <p:txBody>
+          <a:bodyPr vert="horz" lIns="91440" tIns="45720" rIns="91440" bIns="45720" rtlCol="0"/>
+          <a:lstStyle>
+            <a:lvl1pPr algn="l">
+              <a:defRPr sz="1200"/>
+            </a:lvl1pPr>
+          </a:lstStyle>
+          <a:p>
+            <a:endParaRPr lang="en-US"/>
+          </a:p>
+        </p:txBody>
+      </p:sp>
+      <p:sp>
+        <p:nvSpPr>
+          <p:cNvPr id="3" name="Date Placeholder 2"/>
+          <p:cNvSpPr>
+            <a:spLocks noGrp="1"/>
+          </p:cNvSpPr>
+          <p:nvPr>
+            <p:ph type="dt" sz="quarter" idx="1"/>
+          </p:nvPr>
+        </p:nvSpPr>
+        <p:spPr>
+          <a:xfrm>
+            <a:off x="3884613" y="0"/>
+            <a:ext cx="2971800" cy="458788"/>
+          </a:xfrm>
+          <a:prstGeom prst="rect">
+            <a:avLst/>
+          </a:prstGeom>
+        </p:spPr>
+        <p:txBody>
+          <a:bodyPr vert="horz" lIns="91440" tIns="45720" rIns="91440" bIns="45720" rtlCol="0"/>
+          <a:lstStyle>
+            <a:lvl1pPr algn="r">
+              <a:defRPr sz="1200"/>
+            </a:lvl1pPr>
+          </a:lstStyle>
+          <a:p>
+            <a:fld id="{C1DD37A6-BAD3-D442-80F8-DBCBE83375D7}" type="datetimeFigureOut">
+              <a:rPr lang="en-US" smtClean="0"/>
+              <a:t>11/13/16</a:t>
+            </a:fld>
+            <a:endParaRPr lang="en-US"/>
+          </a:p>
+        </p:txBody>
+      </p:sp>
+      <p:sp>
+        <p:nvSpPr>
+          <p:cNvPr id="4" name="Footer Placeholder 3"/>
+          <p:cNvSpPr>
+            <a:spLocks noGrp="1"/>
+          </p:cNvSpPr>
+          <p:nvPr>
+            <p:ph type="ftr" sz="quarter" idx="2"/>
+          </p:nvPr>
+        </p:nvSpPr>
+        <p:spPr>
+          <a:xfrm>
+            <a:off x="0" y="8685213"/>
+            <a:ext cx="2971800" cy="458787"/>
+          </a:xfrm>
+          <a:prstGeom prst="rect">
+            <a:avLst/>
+          </a:prstGeom>
+        </p:spPr>
+        <p:txBody>
+          <a:bodyPr vert="horz" lIns="91440" tIns="45720" rIns="91440" bIns="45720" rtlCol="0" anchor="b"/>
+          <a:lstStyle>
+            <a:lvl1pPr algn="l">
+              <a:defRPr sz="1200"/>
+            </a:lvl1pPr>
+          </a:lstStyle>
+          <a:p>
+            <a:endParaRPr lang="en-US"/>
+          </a:p>
+        </p:txBody>
+      </p:sp>
+      <p:sp>
+        <p:nvSpPr>
+          <p:cNvPr id="5" name="Slide Number Placeholder 4"/>
+          <p:cNvSpPr>
+            <a:spLocks noGrp="1"/>
+          </p:cNvSpPr>
+          <p:nvPr>
+            <p:ph type="sldNum" sz="quarter" idx="3"/>
+          </p:nvPr>
+        </p:nvSpPr>
+        <p:spPr>
+          <a:xfrm>
+            <a:off x="3884613" y="8685213"/>
+            <a:ext cx="2971800" cy="458787"/>
+          </a:xfrm>
+          <a:prstGeom prst="rect">
+            <a:avLst/>
+          </a:prstGeom>
+        </p:spPr>
+        <p:txBody>
+          <a:bodyPr vert="horz" lIns="91440" tIns="45720" rIns="91440" bIns="45720" rtlCol="0" anchor="b"/>
+          <a:lstStyle>
+            <a:lvl1pPr algn="r">
+              <a:defRPr sz="1200"/>
+            </a:lvl1pPr>
+          </a:lstStyle>
+          <a:p>
+            <a:fld id="{ECA45906-5E42-D541-98BB-55A73EFAA3A2}" type="slidenum">
+              <a:rPr lang="en-US" smtClean="0"/>
+              <a:t>‹#›</a:t>
+            </a:fld>
+            <a:endParaRPr lang="en-US"/>
+          </a:p>
+        </p:txBody>
+      </p:sp>
+    </p:spTree>
+    <p:extLst>
+      <p:ext uri="{BB962C8B-B14F-4D97-AF65-F5344CB8AC3E}">
+        <p14:creationId xmlns:p14="http://schemas.microsoft.com/office/powerpoint/2010/main" val="675220233"/>
+      </p:ext>
+    </p:extLst>
+  </p:cSld>
+  <p:clrMap bg1="lt1" tx1="dk1" bg2="lt2" tx2="dk2" accent1="accent1" accent2="accent2" accent3="accent3" accent4="accent4" accent5="accent5" accent6="accent6" hlink="hlink" folHlink="folHlink"/>
+</p:handoutMaster>
 </file>
 
 <file path=ppt/notesMasters/notesMaster1.xml><?xml version="1.0" encoding="utf-8"?>
@@ -357,7 +530,7 @@
           <a:p>
             <a:fld id="{2A3728B8-DE1B-7D46-AFF7-56FD0220AEF0}" type="slidenum">
               <a:rPr lang="en-GB" smtClean="0"/>
-              <a:t>‹Nr.›</a:t>
+              <a:t>‹#›</a:t>
             </a:fld>
             <a:endParaRPr lang="en-GB"/>
           </a:p>
@@ -747,7 +920,7 @@
           <a:p>
             <a:fld id="{6D26CFF2-55FE-1949-9507-C745485C1A42}" type="slidenum">
               <a:rPr lang="en-GB" smtClean="0"/>
-              <a:t>‹Nr.›</a:t>
+              <a:t>‹#›</a:t>
             </a:fld>
             <a:endParaRPr lang="en-GB"/>
           </a:p>
@@ -1066,7 +1239,7 @@
           <a:p>
             <a:fld id="{6D26CFF2-55FE-1949-9507-C745485C1A42}" type="slidenum">
               <a:rPr lang="en-GB" smtClean="0"/>
-              <a:t>‹Nr.›</a:t>
+              <a:t>‹#›</a:t>
             </a:fld>
             <a:endParaRPr lang="en-GB"/>
           </a:p>
@@ -1339,7 +1512,7 @@
           <a:p>
             <a:fld id="{6D26CFF2-55FE-1949-9507-C745485C1A42}" type="slidenum">
               <a:rPr lang="en-GB" smtClean="0"/>
-              <a:t>‹Nr.›</a:t>
+              <a:t>‹#›</a:t>
             </a:fld>
             <a:endParaRPr lang="en-GB"/>
           </a:p>
@@ -1902,7 +2075,7 @@
           <a:p>
             <a:fld id="{6D26CFF2-55FE-1949-9507-C745485C1A42}" type="slidenum">
               <a:rPr lang="en-GB" smtClean="0"/>
-              <a:t>‹Nr.›</a:t>
+              <a:t>‹#›</a:t>
             </a:fld>
             <a:endParaRPr lang="en-GB"/>
           </a:p>
@@ -2175,7 +2348,7 @@
           <a:p>
             <a:fld id="{6D26CFF2-55FE-1949-9507-C745485C1A42}" type="slidenum">
               <a:rPr lang="en-GB" smtClean="0"/>
-              <a:t>‹Nr.›</a:t>
+              <a:t>‹#›</a:t>
             </a:fld>
             <a:endParaRPr lang="en-GB"/>
           </a:p>
@@ -2732,7 +2905,7 @@
           <a:p>
             <a:fld id="{6D26CFF2-55FE-1949-9507-C745485C1A42}" type="slidenum">
               <a:rPr lang="en-GB" smtClean="0"/>
-              <a:t>‹Nr.›</a:t>
+              <a:t>‹#›</a:t>
             </a:fld>
             <a:endParaRPr lang="en-GB"/>
           </a:p>
@@ -3054,7 +3227,7 @@
           <a:p>
             <a:fld id="{6D26CFF2-55FE-1949-9507-C745485C1A42}" type="slidenum">
               <a:rPr lang="en-GB" smtClean="0"/>
-              <a:t>‹Nr.›</a:t>
+              <a:t>‹#›</a:t>
             </a:fld>
             <a:endParaRPr lang="en-GB"/>
           </a:p>
@@ -3254,7 +3427,7 @@
           <a:p>
             <a:fld id="{6D26CFF2-55FE-1949-9507-C745485C1A42}" type="slidenum">
               <a:rPr lang="en-GB" smtClean="0"/>
-              <a:t>‹Nr.›</a:t>
+              <a:t>‹#›</a:t>
             </a:fld>
             <a:endParaRPr lang="en-GB"/>
           </a:p>
@@ -3459,7 +3632,7 @@
           <a:p>
             <a:fld id="{6D26CFF2-55FE-1949-9507-C745485C1A42}" type="slidenum">
               <a:rPr lang="en-GB" smtClean="0"/>
-              <a:t>‹Nr.›</a:t>
+              <a:t>‹#›</a:t>
             </a:fld>
             <a:endParaRPr lang="en-GB"/>
           </a:p>
@@ -3654,7 +3827,7 @@
           <a:p>
             <a:fld id="{6D26CFF2-55FE-1949-9507-C745485C1A42}" type="slidenum">
               <a:rPr lang="en-GB" smtClean="0"/>
-              <a:t>‹Nr.›</a:t>
+              <a:t>‹#›</a:t>
             </a:fld>
             <a:endParaRPr lang="en-GB"/>
           </a:p>
@@ -3925,7 +4098,7 @@
           <a:p>
             <a:fld id="{6D26CFF2-55FE-1949-9507-C745485C1A42}" type="slidenum">
               <a:rPr lang="en-GB" smtClean="0"/>
-              <a:t>‹Nr.›</a:t>
+              <a:t>‹#›</a:t>
             </a:fld>
             <a:endParaRPr lang="en-GB"/>
           </a:p>
@@ -4186,7 +4359,7 @@
           <a:p>
             <a:fld id="{6D26CFF2-55FE-1949-9507-C745485C1A42}" type="slidenum">
               <a:rPr lang="en-GB" smtClean="0"/>
-              <a:t>‹Nr.›</a:t>
+              <a:t>‹#›</a:t>
             </a:fld>
             <a:endParaRPr lang="en-GB"/>
           </a:p>
@@ -4555,7 +4728,7 @@
           <a:p>
             <a:fld id="{6D26CFF2-55FE-1949-9507-C745485C1A42}" type="slidenum">
               <a:rPr lang="en-GB" smtClean="0"/>
-              <a:t>‹Nr.›</a:t>
+              <a:t>‹#›</a:t>
             </a:fld>
             <a:endParaRPr lang="en-GB"/>
           </a:p>
@@ -4698,7 +4871,7 @@
           <a:p>
             <a:fld id="{6D26CFF2-55FE-1949-9507-C745485C1A42}" type="slidenum">
               <a:rPr lang="en-GB" smtClean="0"/>
-              <a:t>‹Nr.›</a:t>
+              <a:t>‹#›</a:t>
             </a:fld>
             <a:endParaRPr lang="en-GB"/>
           </a:p>
@@ -4818,7 +4991,7 @@
           <a:p>
             <a:fld id="{6D26CFF2-55FE-1949-9507-C745485C1A42}" type="slidenum">
               <a:rPr lang="en-GB" smtClean="0"/>
-              <a:t>‹Nr.›</a:t>
+              <a:t>‹#›</a:t>
             </a:fld>
             <a:endParaRPr lang="en-GB"/>
           </a:p>
@@ -5098,7 +5271,7 @@
           <a:p>
             <a:fld id="{6D26CFF2-55FE-1949-9507-C745485C1A42}" type="slidenum">
               <a:rPr lang="en-GB" smtClean="0"/>
-              <a:t>‹Nr.›</a:t>
+              <a:t>‹#›</a:t>
             </a:fld>
             <a:endParaRPr lang="en-GB"/>
           </a:p>
@@ -5417,7 +5590,7 @@
           <a:p>
             <a:fld id="{6D26CFF2-55FE-1949-9507-C745485C1A42}" type="slidenum">
               <a:rPr lang="en-GB" smtClean="0"/>
-              <a:t>‹Nr.›</a:t>
+              <a:t>‹#›</a:t>
             </a:fld>
             <a:endParaRPr lang="en-GB"/>
           </a:p>
@@ -5662,7 +5835,7 @@
           <a:p>
             <a:fld id="{6D26CFF2-55FE-1949-9507-C745485C1A42}" type="slidenum">
               <a:rPr lang="en-GB" smtClean="0"/>
-              <a:t>‹Nr.›</a:t>
+              <a:t>‹#›</a:t>
             </a:fld>
             <a:endParaRPr lang="en-GB"/>
           </a:p>
@@ -6129,1462 +6302,6 @@
       </p:grpSpPr>
       <p:sp>
         <p:nvSpPr>
-          <p:cNvPr id="2" name="Titel 1"/>
-          <p:cNvSpPr>
-            <a:spLocks noGrp="1"/>
-          </p:cNvSpPr>
-          <p:nvPr>
-            <p:ph type="title"/>
-          </p:nvPr>
-        </p:nvSpPr>
-        <p:spPr/>
-        <p:txBody>
-          <a:bodyPr>
-            <a:normAutofit/>
-          </a:bodyPr>
-          <a:lstStyle/>
-          <a:p>
-            <a:pPr algn="ctr"/>
-            <a:r>
-              <a:rPr lang="en-GB" sz="4400" b="1" cap="none" dirty="0" smtClean="0">
-                <a:latin typeface="Helvetica" charset="0"/>
-                <a:ea typeface="Helvetica" charset="0"/>
-                <a:cs typeface="Helvetica" charset="0"/>
-              </a:rPr>
-              <a:t>Please Vote</a:t>
-            </a:r>
-            <a:endParaRPr lang="en-GB" sz="4400" b="1" dirty="0">
-              <a:latin typeface="Helvetica" charset="0"/>
-              <a:ea typeface="Helvetica" charset="0"/>
-              <a:cs typeface="Helvetica" charset="0"/>
-            </a:endParaRPr>
-          </a:p>
-        </p:txBody>
-      </p:sp>
-      <p:sp>
-        <p:nvSpPr>
-          <p:cNvPr id="3" name="Inhaltsplatzhalter 2"/>
-          <p:cNvSpPr>
-            <a:spLocks noGrp="1"/>
-          </p:cNvSpPr>
-          <p:nvPr>
-            <p:ph idx="1"/>
-          </p:nvPr>
-        </p:nvSpPr>
-        <p:spPr>
-          <a:xfrm>
-            <a:off x="2554942" y="2321860"/>
-            <a:ext cx="923364" cy="528918"/>
-          </a:xfrm>
-        </p:spPr>
-        <p:txBody>
-          <a:bodyPr>
-            <a:noAutofit/>
-          </a:bodyPr>
-          <a:lstStyle/>
-          <a:p>
-            <a:pPr marL="0" indent="0">
-              <a:buNone/>
-            </a:pPr>
-            <a:r>
-              <a:rPr lang="de-DE" sz="7200" dirty="0" smtClean="0"/>
-              <a:t>💩</a:t>
-            </a:r>
-            <a:endParaRPr lang="de-DE" sz="7200" b="1" dirty="0"/>
-          </a:p>
-        </p:txBody>
-      </p:sp>
-      <p:sp>
-        <p:nvSpPr>
-          <p:cNvPr id="5" name="Rahmen 4"/>
-          <p:cNvSpPr/>
-          <p:nvPr/>
-        </p:nvSpPr>
-        <p:spPr>
-          <a:xfrm>
-            <a:off x="1479176" y="2236695"/>
-            <a:ext cx="699248" cy="699248"/>
-          </a:xfrm>
-          <a:prstGeom prst="frame">
-            <a:avLst/>
-          </a:prstGeom>
-          <a:solidFill>
-            <a:schemeClr val="tx1"/>
-          </a:solidFill>
-          <a:ln>
-            <a:noFill/>
-          </a:ln>
-        </p:spPr>
-        <p:style>
-          <a:lnRef idx="2">
-            <a:schemeClr val="accent3">
-              <a:shade val="50000"/>
-            </a:schemeClr>
-          </a:lnRef>
-          <a:fillRef idx="1">
-            <a:schemeClr val="accent3"/>
-          </a:fillRef>
-          <a:effectRef idx="0">
-            <a:schemeClr val="accent3"/>
-          </a:effectRef>
-          <a:fontRef idx="minor">
-            <a:schemeClr val="lt1"/>
-          </a:fontRef>
-        </p:style>
-        <p:txBody>
-          <a:bodyPr rtlCol="0" anchor="ctr"/>
-          <a:lstStyle/>
-          <a:p>
-            <a:pPr algn="ctr"/>
-            <a:endParaRPr lang="en-GB">
-              <a:solidFill>
-                <a:schemeClr val="tx1"/>
-              </a:solidFill>
-            </a:endParaRPr>
-          </a:p>
-        </p:txBody>
-      </p:sp>
-      <p:sp>
-        <p:nvSpPr>
-          <p:cNvPr id="7" name="Rahmen 6"/>
-          <p:cNvSpPr/>
-          <p:nvPr/>
-        </p:nvSpPr>
-        <p:spPr>
-          <a:xfrm>
-            <a:off x="1479176" y="3806019"/>
-            <a:ext cx="699248" cy="699248"/>
-          </a:xfrm>
-          <a:prstGeom prst="frame">
-            <a:avLst/>
-          </a:prstGeom>
-          <a:solidFill>
-            <a:schemeClr val="tx1"/>
-          </a:solidFill>
-          <a:ln>
-            <a:noFill/>
-          </a:ln>
-        </p:spPr>
-        <p:style>
-          <a:lnRef idx="2">
-            <a:schemeClr val="accent3">
-              <a:shade val="50000"/>
-            </a:schemeClr>
-          </a:lnRef>
-          <a:fillRef idx="1">
-            <a:schemeClr val="accent3"/>
-          </a:fillRef>
-          <a:effectRef idx="0">
-            <a:schemeClr val="accent3"/>
-          </a:effectRef>
-          <a:fontRef idx="minor">
-            <a:schemeClr val="lt1"/>
-          </a:fontRef>
-        </p:style>
-        <p:txBody>
-          <a:bodyPr rtlCol="0" anchor="ctr"/>
-          <a:lstStyle/>
-          <a:p>
-            <a:pPr algn="ctr"/>
-            <a:endParaRPr lang="en-GB">
-              <a:solidFill>
-                <a:schemeClr val="tx1"/>
-              </a:solidFill>
-            </a:endParaRPr>
-          </a:p>
-        </p:txBody>
-      </p:sp>
-      <p:sp>
-        <p:nvSpPr>
-          <p:cNvPr id="8" name="Inhaltsplatzhalter 2"/>
-          <p:cNvSpPr txBox="1">
-            <a:spLocks/>
-          </p:cNvSpPr>
-          <p:nvPr/>
-        </p:nvSpPr>
-        <p:spPr>
-          <a:xfrm>
-            <a:off x="2554942" y="3891184"/>
-            <a:ext cx="923364" cy="528918"/>
-          </a:xfrm>
-          <a:prstGeom prst="rect">
-            <a:avLst/>
-          </a:prstGeom>
-        </p:spPr>
-        <p:txBody>
-          <a:bodyPr vert="horz" lIns="91440" tIns="45720" rIns="91440" bIns="45720" rtlCol="0" anchor="ctr">
-            <a:noAutofit/>
-          </a:bodyPr>
-          <a:lstStyle>
-            <a:lvl1pPr marL="285750" indent="-285750" algn="l" defTabSz="457200" rtl="0" eaLnBrk="1" latinLnBrk="0" hangingPunct="1">
-              <a:spcBef>
-                <a:spcPts val="0"/>
-              </a:spcBef>
-              <a:spcAft>
-                <a:spcPts val="1000"/>
-              </a:spcAft>
-              <a:buClr>
-                <a:schemeClr val="tx1"/>
-              </a:buClr>
-              <a:buSzPct val="100000"/>
-              <a:buFont typeface="Arial"/>
-              <a:buChar char="•"/>
-              <a:defRPr sz="1800" kern="1200" cap="none">
-                <a:solidFill>
-                  <a:schemeClr val="tx1"/>
-                </a:solidFill>
-                <a:effectLst/>
-                <a:latin typeface="+mn-lt"/>
-                <a:ea typeface="+mn-ea"/>
-                <a:cs typeface="+mn-cs"/>
-              </a:defRPr>
-            </a:lvl1pPr>
-            <a:lvl2pPr marL="742950" indent="-285750" algn="l" defTabSz="457200" rtl="0" eaLnBrk="1" latinLnBrk="0" hangingPunct="1">
-              <a:spcBef>
-                <a:spcPts val="0"/>
-              </a:spcBef>
-              <a:spcAft>
-                <a:spcPts val="1000"/>
-              </a:spcAft>
-              <a:buClr>
-                <a:schemeClr val="tx1"/>
-              </a:buClr>
-              <a:buSzPct val="100000"/>
-              <a:buFont typeface="Arial"/>
-              <a:buChar char="•"/>
-              <a:defRPr sz="1600" kern="1200" cap="none">
-                <a:solidFill>
-                  <a:schemeClr val="tx1"/>
-                </a:solidFill>
-                <a:effectLst/>
-                <a:latin typeface="+mn-lt"/>
-                <a:ea typeface="+mn-ea"/>
-                <a:cs typeface="+mn-cs"/>
-              </a:defRPr>
-            </a:lvl2pPr>
-            <a:lvl3pPr marL="1200150" indent="-285750" algn="l" defTabSz="457200" rtl="0" eaLnBrk="1" latinLnBrk="0" hangingPunct="1">
-              <a:spcBef>
-                <a:spcPts val="0"/>
-              </a:spcBef>
-              <a:spcAft>
-                <a:spcPts val="1000"/>
-              </a:spcAft>
-              <a:buClr>
-                <a:schemeClr val="tx1"/>
-              </a:buClr>
-              <a:buSzPct val="100000"/>
-              <a:buFont typeface="Arial"/>
-              <a:buChar char="•"/>
-              <a:defRPr sz="1400" kern="1200" cap="none">
-                <a:solidFill>
-                  <a:schemeClr val="tx1"/>
-                </a:solidFill>
-                <a:effectLst/>
-                <a:latin typeface="+mn-lt"/>
-                <a:ea typeface="+mn-ea"/>
-                <a:cs typeface="+mn-cs"/>
-              </a:defRPr>
-            </a:lvl3pPr>
-            <a:lvl4pPr marL="1543050" indent="-171450" algn="l" defTabSz="457200" rtl="0" eaLnBrk="1" latinLnBrk="0" hangingPunct="1">
-              <a:spcBef>
-                <a:spcPts val="0"/>
-              </a:spcBef>
-              <a:spcAft>
-                <a:spcPts val="1000"/>
-              </a:spcAft>
-              <a:buClr>
-                <a:schemeClr val="tx1"/>
-              </a:buClr>
-              <a:buSzPct val="100000"/>
-              <a:buFont typeface="Arial"/>
-              <a:buChar char="•"/>
-              <a:defRPr sz="1200" kern="1200" cap="none">
-                <a:solidFill>
-                  <a:schemeClr val="tx1"/>
-                </a:solidFill>
-                <a:effectLst/>
-                <a:latin typeface="+mn-lt"/>
-                <a:ea typeface="+mn-ea"/>
-                <a:cs typeface="+mn-cs"/>
-              </a:defRPr>
-            </a:lvl4pPr>
-            <a:lvl5pPr marL="2000250" indent="-171450" algn="l" defTabSz="457200" rtl="0" eaLnBrk="1" latinLnBrk="0" hangingPunct="1">
-              <a:spcBef>
-                <a:spcPts val="0"/>
-              </a:spcBef>
-              <a:spcAft>
-                <a:spcPts val="1000"/>
-              </a:spcAft>
-              <a:buClr>
-                <a:schemeClr val="tx1"/>
-              </a:buClr>
-              <a:buSzPct val="100000"/>
-              <a:buFont typeface="Arial"/>
-              <a:buChar char="•"/>
-              <a:defRPr sz="1200" kern="1200" cap="none">
-                <a:solidFill>
-                  <a:schemeClr val="tx1"/>
-                </a:solidFill>
-                <a:effectLst/>
-                <a:latin typeface="+mn-lt"/>
-                <a:ea typeface="+mn-ea"/>
-                <a:cs typeface="+mn-cs"/>
-              </a:defRPr>
-            </a:lvl5pPr>
-            <a:lvl6pPr marL="2514600" indent="-228600" algn="l" defTabSz="457200" rtl="0" eaLnBrk="1" latinLnBrk="0" hangingPunct="1">
-              <a:spcBef>
-                <a:spcPts val="0"/>
-              </a:spcBef>
-              <a:spcAft>
-                <a:spcPts val="1000"/>
-              </a:spcAft>
-              <a:buClr>
-                <a:schemeClr val="tx1"/>
-              </a:buClr>
-              <a:buSzPct val="100000"/>
-              <a:buFont typeface="Arial"/>
-              <a:buChar char="•"/>
-              <a:defRPr sz="1200" kern="1200" cap="none">
-                <a:solidFill>
-                  <a:schemeClr val="tx1"/>
-                </a:solidFill>
-                <a:effectLst/>
-                <a:latin typeface="+mn-lt"/>
-                <a:ea typeface="+mn-ea"/>
-                <a:cs typeface="+mn-cs"/>
-              </a:defRPr>
-            </a:lvl6pPr>
-            <a:lvl7pPr marL="2971800" indent="-228600" algn="l" defTabSz="457200" rtl="0" eaLnBrk="1" latinLnBrk="0" hangingPunct="1">
-              <a:spcBef>
-                <a:spcPts val="0"/>
-              </a:spcBef>
-              <a:spcAft>
-                <a:spcPts val="1000"/>
-              </a:spcAft>
-              <a:buClr>
-                <a:schemeClr val="tx1"/>
-              </a:buClr>
-              <a:buSzPct val="100000"/>
-              <a:buFont typeface="Arial"/>
-              <a:buChar char="•"/>
-              <a:defRPr sz="1200" kern="1200" cap="none">
-                <a:solidFill>
-                  <a:schemeClr val="tx1"/>
-                </a:solidFill>
-                <a:effectLst/>
-                <a:latin typeface="+mn-lt"/>
-                <a:ea typeface="+mn-ea"/>
-                <a:cs typeface="+mn-cs"/>
-              </a:defRPr>
-            </a:lvl7pPr>
-            <a:lvl8pPr marL="3429000" indent="-228600" algn="l" defTabSz="457200" rtl="0" eaLnBrk="1" latinLnBrk="0" hangingPunct="1">
-              <a:spcBef>
-                <a:spcPts val="0"/>
-              </a:spcBef>
-              <a:spcAft>
-                <a:spcPts val="1000"/>
-              </a:spcAft>
-              <a:buClr>
-                <a:schemeClr val="tx1"/>
-              </a:buClr>
-              <a:buSzPct val="100000"/>
-              <a:buFont typeface="Arial"/>
-              <a:buChar char="•"/>
-              <a:defRPr sz="1200" kern="1200" cap="none">
-                <a:solidFill>
-                  <a:schemeClr val="tx1"/>
-                </a:solidFill>
-                <a:effectLst/>
-                <a:latin typeface="+mn-lt"/>
-                <a:ea typeface="+mn-ea"/>
-                <a:cs typeface="+mn-cs"/>
-              </a:defRPr>
-            </a:lvl8pPr>
-            <a:lvl9pPr marL="3886200" indent="-228600" algn="l" defTabSz="457200" rtl="0" eaLnBrk="1" latinLnBrk="0" hangingPunct="1">
-              <a:spcBef>
-                <a:spcPts val="0"/>
-              </a:spcBef>
-              <a:spcAft>
-                <a:spcPts val="1000"/>
-              </a:spcAft>
-              <a:buClr>
-                <a:schemeClr val="tx1"/>
-              </a:buClr>
-              <a:buSzPct val="100000"/>
-              <a:buFont typeface="Arial"/>
-              <a:buChar char="•"/>
-              <a:defRPr sz="1200" kern="1200" cap="none">
-                <a:solidFill>
-                  <a:schemeClr val="tx1"/>
-                </a:solidFill>
-                <a:effectLst/>
-                <a:latin typeface="+mn-lt"/>
-                <a:ea typeface="+mn-ea"/>
-                <a:cs typeface="+mn-cs"/>
-              </a:defRPr>
-            </a:lvl9pPr>
-          </a:lstStyle>
-          <a:p>
-            <a:pPr marL="0" indent="0">
-              <a:buFont typeface="Arial"/>
-              <a:buNone/>
-            </a:pPr>
-            <a:r>
-              <a:rPr lang="de-DE" sz="7200" smtClean="0"/>
-              <a:t>💩</a:t>
-            </a:r>
-            <a:endParaRPr lang="de-DE" sz="7200" b="1" dirty="0"/>
-          </a:p>
-        </p:txBody>
-      </p:sp>
-      <p:pic>
-        <p:nvPicPr>
-          <p:cNvPr id="9" name="Bild 8"/>
-          <p:cNvPicPr>
-            <a:picLocks noChangeAspect="1"/>
-          </p:cNvPicPr>
-          <p:nvPr/>
-        </p:nvPicPr>
-        <p:blipFill>
-          <a:blip r:embed="rId2">
-            <a:extLst>
-              <a:ext uri="{28A0092B-C50C-407E-A947-70E740481C1C}">
-                <a14:useLocalDpi xmlns:a14="http://schemas.microsoft.com/office/drawing/2010/main" val="0"/>
-              </a:ext>
-            </a:extLst>
-          </a:blip>
-          <a:stretch>
-            <a:fillRect/>
-          </a:stretch>
-        </p:blipFill>
-        <p:spPr>
-          <a:xfrm>
-            <a:off x="2743759" y="3720355"/>
-            <a:ext cx="725582" cy="627530"/>
-          </a:xfrm>
-          <a:prstGeom prst="rect">
-            <a:avLst/>
-          </a:prstGeom>
-        </p:spPr>
-      </p:pic>
-      <p:sp>
-        <p:nvSpPr>
-          <p:cNvPr id="10" name="Inhaltsplatzhalter 2"/>
-          <p:cNvSpPr txBox="1">
-            <a:spLocks/>
-          </p:cNvSpPr>
-          <p:nvPr/>
-        </p:nvSpPr>
-        <p:spPr>
-          <a:xfrm>
-            <a:off x="1443319" y="2218394"/>
-            <a:ext cx="923364" cy="506754"/>
-          </a:xfrm>
-          <a:prstGeom prst="rect">
-            <a:avLst/>
-          </a:prstGeom>
-        </p:spPr>
-        <p:txBody>
-          <a:bodyPr vert="horz" lIns="91440" tIns="45720" rIns="91440" bIns="45720" rtlCol="0" anchor="ctr">
-            <a:noAutofit/>
-          </a:bodyPr>
-          <a:lstStyle>
-            <a:lvl1pPr marL="285750" indent="-285750" algn="l" defTabSz="457200" rtl="0" eaLnBrk="1" latinLnBrk="0" hangingPunct="1">
-              <a:spcBef>
-                <a:spcPts val="0"/>
-              </a:spcBef>
-              <a:spcAft>
-                <a:spcPts val="1000"/>
-              </a:spcAft>
-              <a:buClr>
-                <a:schemeClr val="tx1"/>
-              </a:buClr>
-              <a:buSzPct val="100000"/>
-              <a:buFont typeface="Arial"/>
-              <a:buChar char="•"/>
-              <a:defRPr sz="1800" kern="1200" cap="none">
-                <a:solidFill>
-                  <a:schemeClr val="tx1"/>
-                </a:solidFill>
-                <a:effectLst/>
-                <a:latin typeface="+mn-lt"/>
-                <a:ea typeface="+mn-ea"/>
-                <a:cs typeface="+mn-cs"/>
-              </a:defRPr>
-            </a:lvl1pPr>
-            <a:lvl2pPr marL="742950" indent="-285750" algn="l" defTabSz="457200" rtl="0" eaLnBrk="1" latinLnBrk="0" hangingPunct="1">
-              <a:spcBef>
-                <a:spcPts val="0"/>
-              </a:spcBef>
-              <a:spcAft>
-                <a:spcPts val="1000"/>
-              </a:spcAft>
-              <a:buClr>
-                <a:schemeClr val="tx1"/>
-              </a:buClr>
-              <a:buSzPct val="100000"/>
-              <a:buFont typeface="Arial"/>
-              <a:buChar char="•"/>
-              <a:defRPr sz="1600" kern="1200" cap="none">
-                <a:solidFill>
-                  <a:schemeClr val="tx1"/>
-                </a:solidFill>
-                <a:effectLst/>
-                <a:latin typeface="+mn-lt"/>
-                <a:ea typeface="+mn-ea"/>
-                <a:cs typeface="+mn-cs"/>
-              </a:defRPr>
-            </a:lvl2pPr>
-            <a:lvl3pPr marL="1200150" indent="-285750" algn="l" defTabSz="457200" rtl="0" eaLnBrk="1" latinLnBrk="0" hangingPunct="1">
-              <a:spcBef>
-                <a:spcPts val="0"/>
-              </a:spcBef>
-              <a:spcAft>
-                <a:spcPts val="1000"/>
-              </a:spcAft>
-              <a:buClr>
-                <a:schemeClr val="tx1"/>
-              </a:buClr>
-              <a:buSzPct val="100000"/>
-              <a:buFont typeface="Arial"/>
-              <a:buChar char="•"/>
-              <a:defRPr sz="1400" kern="1200" cap="none">
-                <a:solidFill>
-                  <a:schemeClr val="tx1"/>
-                </a:solidFill>
-                <a:effectLst/>
-                <a:latin typeface="+mn-lt"/>
-                <a:ea typeface="+mn-ea"/>
-                <a:cs typeface="+mn-cs"/>
-              </a:defRPr>
-            </a:lvl3pPr>
-            <a:lvl4pPr marL="1543050" indent="-171450" algn="l" defTabSz="457200" rtl="0" eaLnBrk="1" latinLnBrk="0" hangingPunct="1">
-              <a:spcBef>
-                <a:spcPts val="0"/>
-              </a:spcBef>
-              <a:spcAft>
-                <a:spcPts val="1000"/>
-              </a:spcAft>
-              <a:buClr>
-                <a:schemeClr val="tx1"/>
-              </a:buClr>
-              <a:buSzPct val="100000"/>
-              <a:buFont typeface="Arial"/>
-              <a:buChar char="•"/>
-              <a:defRPr sz="1200" kern="1200" cap="none">
-                <a:solidFill>
-                  <a:schemeClr val="tx1"/>
-                </a:solidFill>
-                <a:effectLst/>
-                <a:latin typeface="+mn-lt"/>
-                <a:ea typeface="+mn-ea"/>
-                <a:cs typeface="+mn-cs"/>
-              </a:defRPr>
-            </a:lvl4pPr>
-            <a:lvl5pPr marL="2000250" indent="-171450" algn="l" defTabSz="457200" rtl="0" eaLnBrk="1" latinLnBrk="0" hangingPunct="1">
-              <a:spcBef>
-                <a:spcPts val="0"/>
-              </a:spcBef>
-              <a:spcAft>
-                <a:spcPts val="1000"/>
-              </a:spcAft>
-              <a:buClr>
-                <a:schemeClr val="tx1"/>
-              </a:buClr>
-              <a:buSzPct val="100000"/>
-              <a:buFont typeface="Arial"/>
-              <a:buChar char="•"/>
-              <a:defRPr sz="1200" kern="1200" cap="none">
-                <a:solidFill>
-                  <a:schemeClr val="tx1"/>
-                </a:solidFill>
-                <a:effectLst/>
-                <a:latin typeface="+mn-lt"/>
-                <a:ea typeface="+mn-ea"/>
-                <a:cs typeface="+mn-cs"/>
-              </a:defRPr>
-            </a:lvl5pPr>
-            <a:lvl6pPr marL="2514600" indent="-228600" algn="l" defTabSz="457200" rtl="0" eaLnBrk="1" latinLnBrk="0" hangingPunct="1">
-              <a:spcBef>
-                <a:spcPts val="0"/>
-              </a:spcBef>
-              <a:spcAft>
-                <a:spcPts val="1000"/>
-              </a:spcAft>
-              <a:buClr>
-                <a:schemeClr val="tx1"/>
-              </a:buClr>
-              <a:buSzPct val="100000"/>
-              <a:buFont typeface="Arial"/>
-              <a:buChar char="•"/>
-              <a:defRPr sz="1200" kern="1200" cap="none">
-                <a:solidFill>
-                  <a:schemeClr val="tx1"/>
-                </a:solidFill>
-                <a:effectLst/>
-                <a:latin typeface="+mn-lt"/>
-                <a:ea typeface="+mn-ea"/>
-                <a:cs typeface="+mn-cs"/>
-              </a:defRPr>
-            </a:lvl6pPr>
-            <a:lvl7pPr marL="2971800" indent="-228600" algn="l" defTabSz="457200" rtl="0" eaLnBrk="1" latinLnBrk="0" hangingPunct="1">
-              <a:spcBef>
-                <a:spcPts val="0"/>
-              </a:spcBef>
-              <a:spcAft>
-                <a:spcPts val="1000"/>
-              </a:spcAft>
-              <a:buClr>
-                <a:schemeClr val="tx1"/>
-              </a:buClr>
-              <a:buSzPct val="100000"/>
-              <a:buFont typeface="Arial"/>
-              <a:buChar char="•"/>
-              <a:defRPr sz="1200" kern="1200" cap="none">
-                <a:solidFill>
-                  <a:schemeClr val="tx1"/>
-                </a:solidFill>
-                <a:effectLst/>
-                <a:latin typeface="+mn-lt"/>
-                <a:ea typeface="+mn-ea"/>
-                <a:cs typeface="+mn-cs"/>
-              </a:defRPr>
-            </a:lvl7pPr>
-            <a:lvl8pPr marL="3429000" indent="-228600" algn="l" defTabSz="457200" rtl="0" eaLnBrk="1" latinLnBrk="0" hangingPunct="1">
-              <a:spcBef>
-                <a:spcPts val="0"/>
-              </a:spcBef>
-              <a:spcAft>
-                <a:spcPts val="1000"/>
-              </a:spcAft>
-              <a:buClr>
-                <a:schemeClr val="tx1"/>
-              </a:buClr>
-              <a:buSzPct val="100000"/>
-              <a:buFont typeface="Arial"/>
-              <a:buChar char="•"/>
-              <a:defRPr sz="1200" kern="1200" cap="none">
-                <a:solidFill>
-                  <a:schemeClr val="tx1"/>
-                </a:solidFill>
-                <a:effectLst/>
-                <a:latin typeface="+mn-lt"/>
-                <a:ea typeface="+mn-ea"/>
-                <a:cs typeface="+mn-cs"/>
-              </a:defRPr>
-            </a:lvl8pPr>
-            <a:lvl9pPr marL="3886200" indent="-228600" algn="l" defTabSz="457200" rtl="0" eaLnBrk="1" latinLnBrk="0" hangingPunct="1">
-              <a:spcBef>
-                <a:spcPts val="0"/>
-              </a:spcBef>
-              <a:spcAft>
-                <a:spcPts val="1000"/>
-              </a:spcAft>
-              <a:buClr>
-                <a:schemeClr val="tx1"/>
-              </a:buClr>
-              <a:buSzPct val="100000"/>
-              <a:buFont typeface="Arial"/>
-              <a:buChar char="•"/>
-              <a:defRPr sz="1200" kern="1200" cap="none">
-                <a:solidFill>
-                  <a:schemeClr val="tx1"/>
-                </a:solidFill>
-                <a:effectLst/>
-                <a:latin typeface="+mn-lt"/>
-                <a:ea typeface="+mn-ea"/>
-                <a:cs typeface="+mn-cs"/>
-              </a:defRPr>
-            </a:lvl9pPr>
-          </a:lstStyle>
-          <a:p>
-            <a:pPr marL="0" indent="0">
-              <a:buFont typeface="Arial"/>
-              <a:buNone/>
-            </a:pPr>
-            <a:r>
-              <a:rPr lang="de-DE" sz="8800" b="1" dirty="0" smtClean="0">
-                <a:solidFill>
-                  <a:srgbClr val="FF0000"/>
-                </a:solidFill>
-                <a:latin typeface="Helvetica" charset="0"/>
-                <a:ea typeface="Helvetica" charset="0"/>
-                <a:cs typeface="Helvetica" charset="0"/>
-              </a:rPr>
-              <a:t>x</a:t>
-            </a:r>
-            <a:endParaRPr lang="de-DE" sz="8800" b="1" dirty="0">
-              <a:solidFill>
-                <a:srgbClr val="FF0000"/>
-              </a:solidFill>
-              <a:latin typeface="Helvetica" charset="0"/>
-              <a:ea typeface="Helvetica" charset="0"/>
-              <a:cs typeface="Helvetica" charset="0"/>
-            </a:endParaRPr>
-          </a:p>
-        </p:txBody>
-      </p:sp>
-    </p:spTree>
-    <p:extLst>
-      <p:ext uri="{BB962C8B-B14F-4D97-AF65-F5344CB8AC3E}">
-        <p14:creationId xmlns:p14="http://schemas.microsoft.com/office/powerpoint/2010/main" val="1048784432"/>
-      </p:ext>
-    </p:extLst>
-  </p:cSld>
-  <p:clrMapOvr>
-    <a:masterClrMapping/>
-  </p:clrMapOvr>
-</p:sld>
-</file>
-
-<file path=ppt/slides/slide3.xml><?xml version="1.0" encoding="utf-8"?>
-<p:sld xmlns:a="http://schemas.openxmlformats.org/drawingml/2006/main" xmlns:r="http://schemas.openxmlformats.org/officeDocument/2006/relationships" xmlns:p="http://schemas.openxmlformats.org/presentationml/2006/main">
-  <p:cSld>
-    <p:spTree>
-      <p:nvGrpSpPr>
-        <p:cNvPr id="1" name=""/>
-        <p:cNvGrpSpPr/>
-        <p:nvPr/>
-      </p:nvGrpSpPr>
-      <p:grpSpPr>
-        <a:xfrm>
-          <a:off x="0" y="0"/>
-          <a:ext cx="0" cy="0"/>
-          <a:chOff x="0" y="0"/>
-          <a:chExt cx="0" cy="0"/>
-        </a:xfrm>
-      </p:grpSpPr>
-      <p:sp>
-        <p:nvSpPr>
-          <p:cNvPr id="2" name="Titel 1"/>
-          <p:cNvSpPr>
-            <a:spLocks noGrp="1"/>
-          </p:cNvSpPr>
-          <p:nvPr>
-            <p:ph type="title"/>
-          </p:nvPr>
-        </p:nvSpPr>
-        <p:spPr/>
-        <p:txBody>
-          <a:bodyPr>
-            <a:normAutofit/>
-          </a:bodyPr>
-          <a:lstStyle/>
-          <a:p>
-            <a:pPr algn="ctr"/>
-            <a:r>
-              <a:rPr lang="en-GB" sz="4400" b="1" cap="none" dirty="0" smtClean="0">
-                <a:latin typeface="Helvetica" charset="0"/>
-                <a:ea typeface="Helvetica" charset="0"/>
-                <a:cs typeface="Helvetica" charset="0"/>
-              </a:rPr>
-              <a:t>Please Vote</a:t>
-            </a:r>
-            <a:endParaRPr lang="en-GB" sz="4400" b="1" dirty="0">
-              <a:latin typeface="Helvetica" charset="0"/>
-              <a:ea typeface="Helvetica" charset="0"/>
-              <a:cs typeface="Helvetica" charset="0"/>
-            </a:endParaRPr>
-          </a:p>
-        </p:txBody>
-      </p:sp>
-      <p:sp>
-        <p:nvSpPr>
-          <p:cNvPr id="3" name="Inhaltsplatzhalter 2"/>
-          <p:cNvSpPr>
-            <a:spLocks noGrp="1"/>
-          </p:cNvSpPr>
-          <p:nvPr>
-            <p:ph idx="1"/>
-          </p:nvPr>
-        </p:nvSpPr>
-        <p:spPr>
-          <a:xfrm>
-            <a:off x="2554942" y="2321860"/>
-            <a:ext cx="7207623" cy="528918"/>
-          </a:xfrm>
-        </p:spPr>
-        <p:txBody>
-          <a:bodyPr>
-            <a:noAutofit/>
-          </a:bodyPr>
-          <a:lstStyle/>
-          <a:p>
-            <a:pPr marL="0" indent="0">
-              <a:buNone/>
-            </a:pPr>
-            <a:r>
-              <a:rPr lang="en-GB" sz="2400" dirty="0" smtClean="0">
-                <a:latin typeface="Helvetica" charset="0"/>
-                <a:ea typeface="Helvetica" charset="0"/>
-                <a:cs typeface="Helvetica" charset="0"/>
-              </a:rPr>
-              <a:t>Yes, I want to pay more every year for overcrowded subways and busses.</a:t>
-            </a:r>
-            <a:endParaRPr lang="en-GB" sz="2400" b="1" dirty="0">
-              <a:latin typeface="Helvetica" charset="0"/>
-              <a:ea typeface="Helvetica" charset="0"/>
-              <a:cs typeface="Helvetica" charset="0"/>
-            </a:endParaRPr>
-          </a:p>
-        </p:txBody>
-      </p:sp>
-      <p:sp>
-        <p:nvSpPr>
-          <p:cNvPr id="5" name="Rahmen 4"/>
-          <p:cNvSpPr/>
-          <p:nvPr/>
-        </p:nvSpPr>
-        <p:spPr>
-          <a:xfrm>
-            <a:off x="1479176" y="2236695"/>
-            <a:ext cx="699248" cy="699248"/>
-          </a:xfrm>
-          <a:prstGeom prst="frame">
-            <a:avLst/>
-          </a:prstGeom>
-          <a:solidFill>
-            <a:schemeClr val="tx1"/>
-          </a:solidFill>
-          <a:ln>
-            <a:noFill/>
-          </a:ln>
-        </p:spPr>
-        <p:style>
-          <a:lnRef idx="2">
-            <a:schemeClr val="accent3">
-              <a:shade val="50000"/>
-            </a:schemeClr>
-          </a:lnRef>
-          <a:fillRef idx="1">
-            <a:schemeClr val="accent3"/>
-          </a:fillRef>
-          <a:effectRef idx="0">
-            <a:schemeClr val="accent3"/>
-          </a:effectRef>
-          <a:fontRef idx="minor">
-            <a:schemeClr val="lt1"/>
-          </a:fontRef>
-        </p:style>
-        <p:txBody>
-          <a:bodyPr rtlCol="0" anchor="ctr"/>
-          <a:lstStyle/>
-          <a:p>
-            <a:pPr algn="ctr"/>
-            <a:endParaRPr lang="en-GB">
-              <a:solidFill>
-                <a:schemeClr val="tx1"/>
-              </a:solidFill>
-            </a:endParaRPr>
-          </a:p>
-        </p:txBody>
-      </p:sp>
-      <p:sp>
-        <p:nvSpPr>
-          <p:cNvPr id="7" name="Rahmen 6"/>
-          <p:cNvSpPr/>
-          <p:nvPr/>
-        </p:nvSpPr>
-        <p:spPr>
-          <a:xfrm>
-            <a:off x="1479176" y="3806019"/>
-            <a:ext cx="699248" cy="699248"/>
-          </a:xfrm>
-          <a:prstGeom prst="frame">
-            <a:avLst/>
-          </a:prstGeom>
-          <a:solidFill>
-            <a:schemeClr val="tx1"/>
-          </a:solidFill>
-          <a:ln>
-            <a:noFill/>
-          </a:ln>
-        </p:spPr>
-        <p:style>
-          <a:lnRef idx="2">
-            <a:schemeClr val="accent3">
-              <a:shade val="50000"/>
-            </a:schemeClr>
-          </a:lnRef>
-          <a:fillRef idx="1">
-            <a:schemeClr val="accent3"/>
-          </a:fillRef>
-          <a:effectRef idx="0">
-            <a:schemeClr val="accent3"/>
-          </a:effectRef>
-          <a:fontRef idx="minor">
-            <a:schemeClr val="lt1"/>
-          </a:fontRef>
-        </p:style>
-        <p:txBody>
-          <a:bodyPr rtlCol="0" anchor="ctr"/>
-          <a:lstStyle/>
-          <a:p>
-            <a:pPr algn="ctr"/>
-            <a:endParaRPr lang="en-GB">
-              <a:solidFill>
-                <a:schemeClr val="tx1"/>
-              </a:solidFill>
-            </a:endParaRPr>
-          </a:p>
-        </p:txBody>
-      </p:sp>
-      <p:sp>
-        <p:nvSpPr>
-          <p:cNvPr id="10" name="Inhaltsplatzhalter 2"/>
-          <p:cNvSpPr txBox="1">
-            <a:spLocks/>
-          </p:cNvSpPr>
-          <p:nvPr/>
-        </p:nvSpPr>
-        <p:spPr>
-          <a:xfrm>
-            <a:off x="1443319" y="2218394"/>
-            <a:ext cx="923364" cy="506754"/>
-          </a:xfrm>
-          <a:prstGeom prst="rect">
-            <a:avLst/>
-          </a:prstGeom>
-        </p:spPr>
-        <p:txBody>
-          <a:bodyPr vert="horz" lIns="91440" tIns="45720" rIns="91440" bIns="45720" rtlCol="0" anchor="ctr">
-            <a:noAutofit/>
-          </a:bodyPr>
-          <a:lstStyle>
-            <a:lvl1pPr marL="285750" indent="-285750" algn="l" defTabSz="457200" rtl="0" eaLnBrk="1" latinLnBrk="0" hangingPunct="1">
-              <a:spcBef>
-                <a:spcPts val="0"/>
-              </a:spcBef>
-              <a:spcAft>
-                <a:spcPts val="1000"/>
-              </a:spcAft>
-              <a:buClr>
-                <a:schemeClr val="tx1"/>
-              </a:buClr>
-              <a:buSzPct val="100000"/>
-              <a:buFont typeface="Arial"/>
-              <a:buChar char="•"/>
-              <a:defRPr sz="1800" kern="1200" cap="none">
-                <a:solidFill>
-                  <a:schemeClr val="tx1"/>
-                </a:solidFill>
-                <a:effectLst/>
-                <a:latin typeface="+mn-lt"/>
-                <a:ea typeface="+mn-ea"/>
-                <a:cs typeface="+mn-cs"/>
-              </a:defRPr>
-            </a:lvl1pPr>
-            <a:lvl2pPr marL="742950" indent="-285750" algn="l" defTabSz="457200" rtl="0" eaLnBrk="1" latinLnBrk="0" hangingPunct="1">
-              <a:spcBef>
-                <a:spcPts val="0"/>
-              </a:spcBef>
-              <a:spcAft>
-                <a:spcPts val="1000"/>
-              </a:spcAft>
-              <a:buClr>
-                <a:schemeClr val="tx1"/>
-              </a:buClr>
-              <a:buSzPct val="100000"/>
-              <a:buFont typeface="Arial"/>
-              <a:buChar char="•"/>
-              <a:defRPr sz="1600" kern="1200" cap="none">
-                <a:solidFill>
-                  <a:schemeClr val="tx1"/>
-                </a:solidFill>
-                <a:effectLst/>
-                <a:latin typeface="+mn-lt"/>
-                <a:ea typeface="+mn-ea"/>
-                <a:cs typeface="+mn-cs"/>
-              </a:defRPr>
-            </a:lvl2pPr>
-            <a:lvl3pPr marL="1200150" indent="-285750" algn="l" defTabSz="457200" rtl="0" eaLnBrk="1" latinLnBrk="0" hangingPunct="1">
-              <a:spcBef>
-                <a:spcPts val="0"/>
-              </a:spcBef>
-              <a:spcAft>
-                <a:spcPts val="1000"/>
-              </a:spcAft>
-              <a:buClr>
-                <a:schemeClr val="tx1"/>
-              </a:buClr>
-              <a:buSzPct val="100000"/>
-              <a:buFont typeface="Arial"/>
-              <a:buChar char="•"/>
-              <a:defRPr sz="1400" kern="1200" cap="none">
-                <a:solidFill>
-                  <a:schemeClr val="tx1"/>
-                </a:solidFill>
-                <a:effectLst/>
-                <a:latin typeface="+mn-lt"/>
-                <a:ea typeface="+mn-ea"/>
-                <a:cs typeface="+mn-cs"/>
-              </a:defRPr>
-            </a:lvl3pPr>
-            <a:lvl4pPr marL="1543050" indent="-171450" algn="l" defTabSz="457200" rtl="0" eaLnBrk="1" latinLnBrk="0" hangingPunct="1">
-              <a:spcBef>
-                <a:spcPts val="0"/>
-              </a:spcBef>
-              <a:spcAft>
-                <a:spcPts val="1000"/>
-              </a:spcAft>
-              <a:buClr>
-                <a:schemeClr val="tx1"/>
-              </a:buClr>
-              <a:buSzPct val="100000"/>
-              <a:buFont typeface="Arial"/>
-              <a:buChar char="•"/>
-              <a:defRPr sz="1200" kern="1200" cap="none">
-                <a:solidFill>
-                  <a:schemeClr val="tx1"/>
-                </a:solidFill>
-                <a:effectLst/>
-                <a:latin typeface="+mn-lt"/>
-                <a:ea typeface="+mn-ea"/>
-                <a:cs typeface="+mn-cs"/>
-              </a:defRPr>
-            </a:lvl4pPr>
-            <a:lvl5pPr marL="2000250" indent="-171450" algn="l" defTabSz="457200" rtl="0" eaLnBrk="1" latinLnBrk="0" hangingPunct="1">
-              <a:spcBef>
-                <a:spcPts val="0"/>
-              </a:spcBef>
-              <a:spcAft>
-                <a:spcPts val="1000"/>
-              </a:spcAft>
-              <a:buClr>
-                <a:schemeClr val="tx1"/>
-              </a:buClr>
-              <a:buSzPct val="100000"/>
-              <a:buFont typeface="Arial"/>
-              <a:buChar char="•"/>
-              <a:defRPr sz="1200" kern="1200" cap="none">
-                <a:solidFill>
-                  <a:schemeClr val="tx1"/>
-                </a:solidFill>
-                <a:effectLst/>
-                <a:latin typeface="+mn-lt"/>
-                <a:ea typeface="+mn-ea"/>
-                <a:cs typeface="+mn-cs"/>
-              </a:defRPr>
-            </a:lvl5pPr>
-            <a:lvl6pPr marL="2514600" indent="-228600" algn="l" defTabSz="457200" rtl="0" eaLnBrk="1" latinLnBrk="0" hangingPunct="1">
-              <a:spcBef>
-                <a:spcPts val="0"/>
-              </a:spcBef>
-              <a:spcAft>
-                <a:spcPts val="1000"/>
-              </a:spcAft>
-              <a:buClr>
-                <a:schemeClr val="tx1"/>
-              </a:buClr>
-              <a:buSzPct val="100000"/>
-              <a:buFont typeface="Arial"/>
-              <a:buChar char="•"/>
-              <a:defRPr sz="1200" kern="1200" cap="none">
-                <a:solidFill>
-                  <a:schemeClr val="tx1"/>
-                </a:solidFill>
-                <a:effectLst/>
-                <a:latin typeface="+mn-lt"/>
-                <a:ea typeface="+mn-ea"/>
-                <a:cs typeface="+mn-cs"/>
-              </a:defRPr>
-            </a:lvl6pPr>
-            <a:lvl7pPr marL="2971800" indent="-228600" algn="l" defTabSz="457200" rtl="0" eaLnBrk="1" latinLnBrk="0" hangingPunct="1">
-              <a:spcBef>
-                <a:spcPts val="0"/>
-              </a:spcBef>
-              <a:spcAft>
-                <a:spcPts val="1000"/>
-              </a:spcAft>
-              <a:buClr>
-                <a:schemeClr val="tx1"/>
-              </a:buClr>
-              <a:buSzPct val="100000"/>
-              <a:buFont typeface="Arial"/>
-              <a:buChar char="•"/>
-              <a:defRPr sz="1200" kern="1200" cap="none">
-                <a:solidFill>
-                  <a:schemeClr val="tx1"/>
-                </a:solidFill>
-                <a:effectLst/>
-                <a:latin typeface="+mn-lt"/>
-                <a:ea typeface="+mn-ea"/>
-                <a:cs typeface="+mn-cs"/>
-              </a:defRPr>
-            </a:lvl7pPr>
-            <a:lvl8pPr marL="3429000" indent="-228600" algn="l" defTabSz="457200" rtl="0" eaLnBrk="1" latinLnBrk="0" hangingPunct="1">
-              <a:spcBef>
-                <a:spcPts val="0"/>
-              </a:spcBef>
-              <a:spcAft>
-                <a:spcPts val="1000"/>
-              </a:spcAft>
-              <a:buClr>
-                <a:schemeClr val="tx1"/>
-              </a:buClr>
-              <a:buSzPct val="100000"/>
-              <a:buFont typeface="Arial"/>
-              <a:buChar char="•"/>
-              <a:defRPr sz="1200" kern="1200" cap="none">
-                <a:solidFill>
-                  <a:schemeClr val="tx1"/>
-                </a:solidFill>
-                <a:effectLst/>
-                <a:latin typeface="+mn-lt"/>
-                <a:ea typeface="+mn-ea"/>
-                <a:cs typeface="+mn-cs"/>
-              </a:defRPr>
-            </a:lvl8pPr>
-            <a:lvl9pPr marL="3886200" indent="-228600" algn="l" defTabSz="457200" rtl="0" eaLnBrk="1" latinLnBrk="0" hangingPunct="1">
-              <a:spcBef>
-                <a:spcPts val="0"/>
-              </a:spcBef>
-              <a:spcAft>
-                <a:spcPts val="1000"/>
-              </a:spcAft>
-              <a:buClr>
-                <a:schemeClr val="tx1"/>
-              </a:buClr>
-              <a:buSzPct val="100000"/>
-              <a:buFont typeface="Arial"/>
-              <a:buChar char="•"/>
-              <a:defRPr sz="1200" kern="1200" cap="none">
-                <a:solidFill>
-                  <a:schemeClr val="tx1"/>
-                </a:solidFill>
-                <a:effectLst/>
-                <a:latin typeface="+mn-lt"/>
-                <a:ea typeface="+mn-ea"/>
-                <a:cs typeface="+mn-cs"/>
-              </a:defRPr>
-            </a:lvl9pPr>
-          </a:lstStyle>
-          <a:p>
-            <a:pPr marL="0" indent="0">
-              <a:buFont typeface="Arial"/>
-              <a:buNone/>
-            </a:pPr>
-            <a:r>
-              <a:rPr lang="de-DE" sz="8800" b="1" dirty="0" smtClean="0">
-                <a:solidFill>
-                  <a:srgbClr val="FF0000"/>
-                </a:solidFill>
-                <a:latin typeface="Helvetica" charset="0"/>
-                <a:ea typeface="Helvetica" charset="0"/>
-                <a:cs typeface="Helvetica" charset="0"/>
-              </a:rPr>
-              <a:t>x</a:t>
-            </a:r>
-            <a:endParaRPr lang="de-DE" sz="8800" b="1" dirty="0">
-              <a:solidFill>
-                <a:srgbClr val="FF0000"/>
-              </a:solidFill>
-              <a:latin typeface="Helvetica" charset="0"/>
-              <a:ea typeface="Helvetica" charset="0"/>
-              <a:cs typeface="Helvetica" charset="0"/>
-            </a:endParaRPr>
-          </a:p>
-        </p:txBody>
-      </p:sp>
-      <p:sp>
-        <p:nvSpPr>
-          <p:cNvPr id="11" name="Inhaltsplatzhalter 2"/>
-          <p:cNvSpPr txBox="1">
-            <a:spLocks/>
-          </p:cNvSpPr>
-          <p:nvPr/>
-        </p:nvSpPr>
-        <p:spPr>
-          <a:xfrm>
-            <a:off x="2554941" y="3891184"/>
-            <a:ext cx="7207623" cy="528918"/>
-          </a:xfrm>
-          <a:prstGeom prst="rect">
-            <a:avLst/>
-          </a:prstGeom>
-        </p:spPr>
-        <p:txBody>
-          <a:bodyPr vert="horz" lIns="91440" tIns="45720" rIns="91440" bIns="45720" rtlCol="0" anchor="ctr">
-            <a:noAutofit/>
-          </a:bodyPr>
-          <a:lstStyle>
-            <a:lvl1pPr marL="285750" indent="-285750" algn="l" defTabSz="457200" rtl="0" eaLnBrk="1" latinLnBrk="0" hangingPunct="1">
-              <a:spcBef>
-                <a:spcPts val="0"/>
-              </a:spcBef>
-              <a:spcAft>
-                <a:spcPts val="1000"/>
-              </a:spcAft>
-              <a:buClr>
-                <a:schemeClr val="tx1"/>
-              </a:buClr>
-              <a:buSzPct val="100000"/>
-              <a:buFont typeface="Arial"/>
-              <a:buChar char="•"/>
-              <a:defRPr sz="1800" kern="1200" cap="none">
-                <a:solidFill>
-                  <a:schemeClr val="tx1"/>
-                </a:solidFill>
-                <a:effectLst/>
-                <a:latin typeface="+mn-lt"/>
-                <a:ea typeface="+mn-ea"/>
-                <a:cs typeface="+mn-cs"/>
-              </a:defRPr>
-            </a:lvl1pPr>
-            <a:lvl2pPr marL="742950" indent="-285750" algn="l" defTabSz="457200" rtl="0" eaLnBrk="1" latinLnBrk="0" hangingPunct="1">
-              <a:spcBef>
-                <a:spcPts val="0"/>
-              </a:spcBef>
-              <a:spcAft>
-                <a:spcPts val="1000"/>
-              </a:spcAft>
-              <a:buClr>
-                <a:schemeClr val="tx1"/>
-              </a:buClr>
-              <a:buSzPct val="100000"/>
-              <a:buFont typeface="Arial"/>
-              <a:buChar char="•"/>
-              <a:defRPr sz="1600" kern="1200" cap="none">
-                <a:solidFill>
-                  <a:schemeClr val="tx1"/>
-                </a:solidFill>
-                <a:effectLst/>
-                <a:latin typeface="+mn-lt"/>
-                <a:ea typeface="+mn-ea"/>
-                <a:cs typeface="+mn-cs"/>
-              </a:defRPr>
-            </a:lvl2pPr>
-            <a:lvl3pPr marL="1200150" indent="-285750" algn="l" defTabSz="457200" rtl="0" eaLnBrk="1" latinLnBrk="0" hangingPunct="1">
-              <a:spcBef>
-                <a:spcPts val="0"/>
-              </a:spcBef>
-              <a:spcAft>
-                <a:spcPts val="1000"/>
-              </a:spcAft>
-              <a:buClr>
-                <a:schemeClr val="tx1"/>
-              </a:buClr>
-              <a:buSzPct val="100000"/>
-              <a:buFont typeface="Arial"/>
-              <a:buChar char="•"/>
-              <a:defRPr sz="1400" kern="1200" cap="none">
-                <a:solidFill>
-                  <a:schemeClr val="tx1"/>
-                </a:solidFill>
-                <a:effectLst/>
-                <a:latin typeface="+mn-lt"/>
-                <a:ea typeface="+mn-ea"/>
-                <a:cs typeface="+mn-cs"/>
-              </a:defRPr>
-            </a:lvl3pPr>
-            <a:lvl4pPr marL="1543050" indent="-171450" algn="l" defTabSz="457200" rtl="0" eaLnBrk="1" latinLnBrk="0" hangingPunct="1">
-              <a:spcBef>
-                <a:spcPts val="0"/>
-              </a:spcBef>
-              <a:spcAft>
-                <a:spcPts val="1000"/>
-              </a:spcAft>
-              <a:buClr>
-                <a:schemeClr val="tx1"/>
-              </a:buClr>
-              <a:buSzPct val="100000"/>
-              <a:buFont typeface="Arial"/>
-              <a:buChar char="•"/>
-              <a:defRPr sz="1200" kern="1200" cap="none">
-                <a:solidFill>
-                  <a:schemeClr val="tx1"/>
-                </a:solidFill>
-                <a:effectLst/>
-                <a:latin typeface="+mn-lt"/>
-                <a:ea typeface="+mn-ea"/>
-                <a:cs typeface="+mn-cs"/>
-              </a:defRPr>
-            </a:lvl4pPr>
-            <a:lvl5pPr marL="2000250" indent="-171450" algn="l" defTabSz="457200" rtl="0" eaLnBrk="1" latinLnBrk="0" hangingPunct="1">
-              <a:spcBef>
-                <a:spcPts val="0"/>
-              </a:spcBef>
-              <a:spcAft>
-                <a:spcPts val="1000"/>
-              </a:spcAft>
-              <a:buClr>
-                <a:schemeClr val="tx1"/>
-              </a:buClr>
-              <a:buSzPct val="100000"/>
-              <a:buFont typeface="Arial"/>
-              <a:buChar char="•"/>
-              <a:defRPr sz="1200" kern="1200" cap="none">
-                <a:solidFill>
-                  <a:schemeClr val="tx1"/>
-                </a:solidFill>
-                <a:effectLst/>
-                <a:latin typeface="+mn-lt"/>
-                <a:ea typeface="+mn-ea"/>
-                <a:cs typeface="+mn-cs"/>
-              </a:defRPr>
-            </a:lvl5pPr>
-            <a:lvl6pPr marL="2514600" indent="-228600" algn="l" defTabSz="457200" rtl="0" eaLnBrk="1" latinLnBrk="0" hangingPunct="1">
-              <a:spcBef>
-                <a:spcPts val="0"/>
-              </a:spcBef>
-              <a:spcAft>
-                <a:spcPts val="1000"/>
-              </a:spcAft>
-              <a:buClr>
-                <a:schemeClr val="tx1"/>
-              </a:buClr>
-              <a:buSzPct val="100000"/>
-              <a:buFont typeface="Arial"/>
-              <a:buChar char="•"/>
-              <a:defRPr sz="1200" kern="1200" cap="none">
-                <a:solidFill>
-                  <a:schemeClr val="tx1"/>
-                </a:solidFill>
-                <a:effectLst/>
-                <a:latin typeface="+mn-lt"/>
-                <a:ea typeface="+mn-ea"/>
-                <a:cs typeface="+mn-cs"/>
-              </a:defRPr>
-            </a:lvl6pPr>
-            <a:lvl7pPr marL="2971800" indent="-228600" algn="l" defTabSz="457200" rtl="0" eaLnBrk="1" latinLnBrk="0" hangingPunct="1">
-              <a:spcBef>
-                <a:spcPts val="0"/>
-              </a:spcBef>
-              <a:spcAft>
-                <a:spcPts val="1000"/>
-              </a:spcAft>
-              <a:buClr>
-                <a:schemeClr val="tx1"/>
-              </a:buClr>
-              <a:buSzPct val="100000"/>
-              <a:buFont typeface="Arial"/>
-              <a:buChar char="•"/>
-              <a:defRPr sz="1200" kern="1200" cap="none">
-                <a:solidFill>
-                  <a:schemeClr val="tx1"/>
-                </a:solidFill>
-                <a:effectLst/>
-                <a:latin typeface="+mn-lt"/>
-                <a:ea typeface="+mn-ea"/>
-                <a:cs typeface="+mn-cs"/>
-              </a:defRPr>
-            </a:lvl7pPr>
-            <a:lvl8pPr marL="3429000" indent="-228600" algn="l" defTabSz="457200" rtl="0" eaLnBrk="1" latinLnBrk="0" hangingPunct="1">
-              <a:spcBef>
-                <a:spcPts val="0"/>
-              </a:spcBef>
-              <a:spcAft>
-                <a:spcPts val="1000"/>
-              </a:spcAft>
-              <a:buClr>
-                <a:schemeClr val="tx1"/>
-              </a:buClr>
-              <a:buSzPct val="100000"/>
-              <a:buFont typeface="Arial"/>
-              <a:buChar char="•"/>
-              <a:defRPr sz="1200" kern="1200" cap="none">
-                <a:solidFill>
-                  <a:schemeClr val="tx1"/>
-                </a:solidFill>
-                <a:effectLst/>
-                <a:latin typeface="+mn-lt"/>
-                <a:ea typeface="+mn-ea"/>
-                <a:cs typeface="+mn-cs"/>
-              </a:defRPr>
-            </a:lvl8pPr>
-            <a:lvl9pPr marL="3886200" indent="-228600" algn="l" defTabSz="457200" rtl="0" eaLnBrk="1" latinLnBrk="0" hangingPunct="1">
-              <a:spcBef>
-                <a:spcPts val="0"/>
-              </a:spcBef>
-              <a:spcAft>
-                <a:spcPts val="1000"/>
-              </a:spcAft>
-              <a:buClr>
-                <a:schemeClr val="tx1"/>
-              </a:buClr>
-              <a:buSzPct val="100000"/>
-              <a:buFont typeface="Arial"/>
-              <a:buChar char="•"/>
-              <a:defRPr sz="1200" kern="1200" cap="none">
-                <a:solidFill>
-                  <a:schemeClr val="tx1"/>
-                </a:solidFill>
-                <a:effectLst/>
-                <a:latin typeface="+mn-lt"/>
-                <a:ea typeface="+mn-ea"/>
-                <a:cs typeface="+mn-cs"/>
-              </a:defRPr>
-            </a:lvl9pPr>
-          </a:lstStyle>
-          <a:p>
-            <a:pPr marL="0" indent="0">
-              <a:buFont typeface="Arial"/>
-              <a:buNone/>
-            </a:pPr>
-            <a:r>
-              <a:rPr lang="en-GB" sz="2400" dirty="0" smtClean="0">
-                <a:latin typeface="Helvetica" charset="0"/>
-                <a:ea typeface="Helvetica" charset="0"/>
-                <a:cs typeface="Helvetica" charset="0"/>
-              </a:rPr>
-              <a:t>No, I have principles, I’m going to pay even more without the </a:t>
-            </a:r>
-            <a:r>
-              <a:rPr lang="en-GB" sz="2400" dirty="0" err="1" smtClean="0">
-                <a:latin typeface="Helvetica" charset="0"/>
-                <a:ea typeface="Helvetica" charset="0"/>
-                <a:cs typeface="Helvetica" charset="0"/>
-              </a:rPr>
-              <a:t>Semesterticket</a:t>
-            </a:r>
-            <a:r>
-              <a:rPr lang="en-GB" sz="2400" dirty="0" smtClean="0">
-                <a:latin typeface="Helvetica" charset="0"/>
-                <a:ea typeface="Helvetica" charset="0"/>
-                <a:cs typeface="Helvetica" charset="0"/>
-              </a:rPr>
-              <a:t>!</a:t>
-            </a:r>
-            <a:endParaRPr lang="en-GB" sz="2400" b="1" dirty="0">
-              <a:latin typeface="Helvetica" charset="0"/>
-              <a:ea typeface="Helvetica" charset="0"/>
-              <a:cs typeface="Helvetica" charset="0"/>
-            </a:endParaRPr>
-          </a:p>
-        </p:txBody>
-      </p:sp>
-    </p:spTree>
-    <p:extLst>
-      <p:ext uri="{BB962C8B-B14F-4D97-AF65-F5344CB8AC3E}">
-        <p14:creationId xmlns:p14="http://schemas.microsoft.com/office/powerpoint/2010/main" val="794539628"/>
-      </p:ext>
-    </p:extLst>
-  </p:cSld>
-  <p:clrMapOvr>
-    <a:masterClrMapping/>
-  </p:clrMapOvr>
-</p:sld>
-</file>
-
-<file path=ppt/slides/slide4.xml><?xml version="1.0" encoding="utf-8"?>
-<p:sld xmlns:a="http://schemas.openxmlformats.org/drawingml/2006/main" xmlns:r="http://schemas.openxmlformats.org/officeDocument/2006/relationships" xmlns:p="http://schemas.openxmlformats.org/presentationml/2006/main">
-  <p:cSld>
-    <p:spTree>
-      <p:nvGrpSpPr>
-        <p:cNvPr id="1" name=""/>
-        <p:cNvGrpSpPr/>
-        <p:nvPr/>
-      </p:nvGrpSpPr>
-      <p:grpSpPr>
-        <a:xfrm>
-          <a:off x="0" y="0"/>
-          <a:ext cx="0" cy="0"/>
-          <a:chOff x="0" y="0"/>
-          <a:chExt cx="0" cy="0"/>
-        </a:xfrm>
-      </p:grpSpPr>
-      <p:sp>
-        <p:nvSpPr>
           <p:cNvPr id="10" name="Inhaltsplatzhalter 2"/>
           <p:cNvSpPr txBox="1">
             <a:spLocks/>
@@ -7872,6 +6589,308 @@
 </p:sld>
 </file>
 
+<file path=ppt/slides/slide3.xml><?xml version="1.0" encoding="utf-8"?>
+<p:sld xmlns:a="http://schemas.openxmlformats.org/drawingml/2006/main" xmlns:r="http://schemas.openxmlformats.org/officeDocument/2006/relationships" xmlns:p="http://schemas.openxmlformats.org/presentationml/2006/main">
+  <p:cSld>
+    <p:spTree>
+      <p:nvGrpSpPr>
+        <p:cNvPr id="1" name=""/>
+        <p:cNvGrpSpPr/>
+        <p:nvPr/>
+      </p:nvGrpSpPr>
+      <p:grpSpPr>
+        <a:xfrm>
+          <a:off x="0" y="0"/>
+          <a:ext cx="0" cy="0"/>
+          <a:chOff x="0" y="0"/>
+          <a:chExt cx="0" cy="0"/>
+        </a:xfrm>
+      </p:grpSpPr>
+      <p:sp>
+        <p:nvSpPr>
+          <p:cNvPr id="2" name="Title 1"/>
+          <p:cNvSpPr>
+            <a:spLocks noGrp="1"/>
+          </p:cNvSpPr>
+          <p:nvPr>
+            <p:ph type="title"/>
+          </p:nvPr>
+        </p:nvSpPr>
+        <p:spPr/>
+        <p:txBody>
+          <a:bodyPr/>
+          <a:lstStyle/>
+          <a:p>
+            <a:r>
+              <a:rPr lang="en-US" dirty="0" smtClean="0"/>
+              <a:t>MVG Rad data</a:t>
+            </a:r>
+            <a:endParaRPr lang="en-US" dirty="0"/>
+          </a:p>
+        </p:txBody>
+      </p:sp>
+      <p:sp>
+        <p:nvSpPr>
+          <p:cNvPr id="3" name="Text Placeholder 2"/>
+          <p:cNvSpPr>
+            <a:spLocks noGrp="1"/>
+          </p:cNvSpPr>
+          <p:nvPr>
+            <p:ph type="body" idx="1"/>
+          </p:nvPr>
+        </p:nvSpPr>
+        <p:spPr/>
+        <p:txBody>
+          <a:bodyPr/>
+          <a:lstStyle/>
+          <a:p>
+            <a:r>
+              <a:rPr lang="en-US" dirty="0" smtClean="0"/>
+              <a:t>Current (Live) Data</a:t>
+            </a:r>
+            <a:endParaRPr lang="en-US" dirty="0"/>
+          </a:p>
+        </p:txBody>
+      </p:sp>
+      <p:pic>
+        <p:nvPicPr>
+          <p:cNvPr id="7" name="Content Placeholder 6"/>
+          <p:cNvPicPr>
+            <a:picLocks noGrp="1" noChangeAspect="1"/>
+          </p:cNvPicPr>
+          <p:nvPr>
+            <p:ph sz="half" idx="2"/>
+          </p:nvPr>
+        </p:nvPicPr>
+        <p:blipFill>
+          <a:blip r:embed="rId2">
+            <a:extLst>
+              <a:ext uri="{28A0092B-C50C-407E-A947-70E740481C1C}">
+                <a14:useLocalDpi xmlns:a14="http://schemas.microsoft.com/office/drawing/2010/main" val="0"/>
+              </a:ext>
+            </a:extLst>
+          </a:blip>
+          <a:stretch>
+            <a:fillRect/>
+          </a:stretch>
+        </p:blipFill>
+        <p:spPr>
+          <a:xfrm>
+            <a:off x="831641" y="2870200"/>
+            <a:ext cx="4705767" cy="2921000"/>
+          </a:xfrm>
+        </p:spPr>
+      </p:pic>
+      <p:sp>
+        <p:nvSpPr>
+          <p:cNvPr id="5" name="Text Placeholder 4"/>
+          <p:cNvSpPr>
+            <a:spLocks noGrp="1"/>
+          </p:cNvSpPr>
+          <p:nvPr>
+            <p:ph type="body" sz="quarter" idx="3"/>
+          </p:nvPr>
+        </p:nvSpPr>
+        <p:spPr/>
+        <p:txBody>
+          <a:bodyPr/>
+          <a:lstStyle/>
+          <a:p>
+            <a:r>
+              <a:rPr lang="en-US" dirty="0" smtClean="0"/>
+              <a:t>Archive</a:t>
+            </a:r>
+            <a:endParaRPr lang="en-US" dirty="0"/>
+          </a:p>
+        </p:txBody>
+      </p:sp>
+      <p:sp>
+        <p:nvSpPr>
+          <p:cNvPr id="9" name="Rectangle 8"/>
+          <p:cNvSpPr/>
+          <p:nvPr/>
+        </p:nvSpPr>
+        <p:spPr>
+          <a:xfrm>
+            <a:off x="5822950" y="2870200"/>
+            <a:ext cx="4705767" cy="2921000"/>
+          </a:xfrm>
+          <a:prstGeom prst="rect">
+            <a:avLst/>
+          </a:prstGeom>
+          <a:solidFill>
+            <a:schemeClr val="tx1"/>
+          </a:solidFill>
+          <a:ln>
+            <a:noFill/>
+          </a:ln>
+        </p:spPr>
+        <p:style>
+          <a:lnRef idx="2">
+            <a:schemeClr val="accent1">
+              <a:shade val="50000"/>
+            </a:schemeClr>
+          </a:lnRef>
+          <a:fillRef idx="1">
+            <a:schemeClr val="accent1"/>
+          </a:fillRef>
+          <a:effectRef idx="0">
+            <a:schemeClr val="accent1"/>
+          </a:effectRef>
+          <a:fontRef idx="minor">
+            <a:schemeClr val="lt1"/>
+          </a:fontRef>
+        </p:style>
+        <p:txBody>
+          <a:bodyPr rtlCol="0" anchor="ctr"/>
+          <a:lstStyle/>
+          <a:p>
+            <a:pPr algn="ctr"/>
+            <a:endParaRPr lang="en-US"/>
+          </a:p>
+        </p:txBody>
+      </p:sp>
+      <p:pic>
+        <p:nvPicPr>
+          <p:cNvPr id="8" name="Content Placeholder 7"/>
+          <p:cNvPicPr>
+            <a:picLocks noGrp="1" noChangeAspect="1"/>
+          </p:cNvPicPr>
+          <p:nvPr>
+            <p:ph sz="quarter" idx="4"/>
+          </p:nvPr>
+        </p:nvPicPr>
+        <p:blipFill>
+          <a:blip r:embed="rId3">
+            <a:extLst>
+              <a:ext uri="{28A0092B-C50C-407E-A947-70E740481C1C}">
+                <a14:useLocalDpi xmlns:a14="http://schemas.microsoft.com/office/drawing/2010/main" val="0"/>
+              </a:ext>
+            </a:extLst>
+          </a:blip>
+          <a:stretch>
+            <a:fillRect/>
+          </a:stretch>
+        </p:blipFill>
+        <p:spPr>
+          <a:xfrm>
+            <a:off x="5822950" y="3671991"/>
+            <a:ext cx="4694605" cy="1317417"/>
+          </a:xfrm>
+        </p:spPr>
+      </p:pic>
+    </p:spTree>
+    <p:extLst>
+      <p:ext uri="{BB962C8B-B14F-4D97-AF65-F5344CB8AC3E}">
+        <p14:creationId xmlns:p14="http://schemas.microsoft.com/office/powerpoint/2010/main" val="2067230952"/>
+      </p:ext>
+    </p:extLst>
+  </p:cSld>
+  <p:clrMapOvr>
+    <a:masterClrMapping/>
+  </p:clrMapOvr>
+</p:sld>
+</file>
+
+<file path=ppt/slides/slide4.xml><?xml version="1.0" encoding="utf-8"?>
+<p:sld xmlns:a="http://schemas.openxmlformats.org/drawingml/2006/main" xmlns:r="http://schemas.openxmlformats.org/officeDocument/2006/relationships" xmlns:p="http://schemas.openxmlformats.org/presentationml/2006/main">
+  <p:cSld>
+    <p:spTree>
+      <p:nvGrpSpPr>
+        <p:cNvPr id="1" name=""/>
+        <p:cNvGrpSpPr/>
+        <p:nvPr/>
+      </p:nvGrpSpPr>
+      <p:grpSpPr>
+        <a:xfrm>
+          <a:off x="0" y="0"/>
+          <a:ext cx="0" cy="0"/>
+          <a:chOff x="0" y="0"/>
+          <a:chExt cx="0" cy="0"/>
+        </a:xfrm>
+      </p:grpSpPr>
+      <p:sp>
+        <p:nvSpPr>
+          <p:cNvPr id="2" name="Title 1"/>
+          <p:cNvSpPr>
+            <a:spLocks noGrp="1"/>
+          </p:cNvSpPr>
+          <p:nvPr>
+            <p:ph type="title"/>
+          </p:nvPr>
+        </p:nvSpPr>
+        <p:spPr/>
+        <p:txBody>
+          <a:bodyPr/>
+          <a:lstStyle/>
+          <a:p>
+            <a:r>
+              <a:rPr lang="en-US" dirty="0" smtClean="0"/>
+              <a:t>Goals</a:t>
+            </a:r>
+            <a:endParaRPr lang="en-US" dirty="0"/>
+          </a:p>
+        </p:txBody>
+      </p:sp>
+      <p:sp>
+        <p:nvSpPr>
+          <p:cNvPr id="3" name="Content Placeholder 2"/>
+          <p:cNvSpPr>
+            <a:spLocks noGrp="1"/>
+          </p:cNvSpPr>
+          <p:nvPr>
+            <p:ph idx="1"/>
+          </p:nvPr>
+        </p:nvSpPr>
+        <p:spPr/>
+        <p:txBody>
+          <a:bodyPr>
+            <a:normAutofit/>
+          </a:bodyPr>
+          <a:lstStyle/>
+          <a:p>
+            <a:r>
+              <a:rPr lang="en-US" sz="2800" dirty="0" smtClean="0"/>
+              <a:t>Find out and visualize:</a:t>
+            </a:r>
+          </a:p>
+          <a:p>
+            <a:pPr lvl="1"/>
+            <a:r>
+              <a:rPr lang="en-US" sz="2400" dirty="0"/>
+              <a:t>W</a:t>
+            </a:r>
+            <a:r>
+              <a:rPr lang="en-US" sz="2400" dirty="0" smtClean="0"/>
+              <a:t>hen bikes were used and where?</a:t>
+            </a:r>
+          </a:p>
+          <a:p>
+            <a:pPr lvl="1"/>
+            <a:r>
+              <a:rPr lang="en-US" sz="2400" dirty="0" smtClean="0"/>
+              <a:t>Which district in Munich is the “greenest”?</a:t>
+            </a:r>
+          </a:p>
+          <a:p>
+            <a:pPr lvl="1"/>
+            <a:endParaRPr lang="en-US" sz="2400" dirty="0" smtClean="0"/>
+          </a:p>
+        </p:txBody>
+      </p:sp>
+    </p:spTree>
+    <p:extLst>
+      <p:ext uri="{BB962C8B-B14F-4D97-AF65-F5344CB8AC3E}">
+        <p14:creationId xmlns:p14="http://schemas.microsoft.com/office/powerpoint/2010/main" val="1324819378"/>
+      </p:ext>
+    </p:extLst>
+  </p:cSld>
+  <p:clrMapOvr>
+    <a:masterClrMapping/>
+  </p:clrMapOvr>
+</p:sld>
+</file>
+
 <file path=ppt/slides/slide5.xml><?xml version="1.0" encoding="utf-8"?>
 <p:sld xmlns:a="http://schemas.openxmlformats.org/drawingml/2006/main" xmlns:r="http://schemas.openxmlformats.org/officeDocument/2006/relationships" xmlns:p="http://schemas.openxmlformats.org/presentationml/2006/main">
   <p:cSld>
@@ -8135,932 +7154,10 @@
           </a:p>
         </p:txBody>
       </p:sp>
-      <p:graphicFrame>
-        <p:nvGraphicFramePr>
-          <p:cNvPr id="2" name="Tabelle 1"/>
-          <p:cNvGraphicFramePr>
-            <a:graphicFrameLocks noGrp="1"/>
-          </p:cNvGraphicFramePr>
-          <p:nvPr>
-            <p:extLst>
-              <p:ext uri="{D42A27DB-BD31-4B8C-83A1-F6EECF244321}">
-                <p14:modId xmlns:p14="http://schemas.microsoft.com/office/powerpoint/2010/main" val="1525053385"/>
-              </p:ext>
-            </p:extLst>
-          </p:nvPr>
-        </p:nvGraphicFramePr>
-        <p:xfrm>
-          <a:off x="1905001" y="1212725"/>
-          <a:ext cx="8128000" cy="4424680"/>
-        </p:xfrm>
-        <a:graphic>
-          <a:graphicData uri="http://schemas.openxmlformats.org/drawingml/2006/table">
-            <a:tbl>
-              <a:tblPr firstRow="1" bandRow="1">
-                <a:tableStyleId>{8EC20E35-A176-4012-BC5E-935CFFF8708E}</a:tableStyleId>
-              </a:tblPr>
-              <a:tblGrid>
-                <a:gridCol w="2032000"/>
-                <a:gridCol w="2032000"/>
-                <a:gridCol w="2032000"/>
-                <a:gridCol w="2032000"/>
-              </a:tblGrid>
-              <a:tr h="370840">
-                <a:tc>
-                  <a:txBody>
-                    <a:bodyPr/>
-                    <a:lstStyle/>
-                    <a:p>
-                      <a:endParaRPr lang="en-GB" dirty="0"/>
-                    </a:p>
-                  </a:txBody>
-                  <a:tcPr>
-                    <a:lnL>
-                      <a:noFill/>
-                    </a:lnL>
-                    <a:lnR>
-                      <a:noFill/>
-                    </a:lnR>
-                    <a:lnT w="25400" cmpd="sng">
-                      <a:noFill/>
-                    </a:lnT>
-                    <a:lnB w="25400" cmpd="sng">
-                      <a:noFill/>
-                    </a:lnB>
-                    <a:lnTlToBr w="12700" cmpd="sng">
-                      <a:noFill/>
-                      <a:prstDash val="solid"/>
-                    </a:lnTlToBr>
-                    <a:lnBlToTr w="12700" cmpd="sng">
-                      <a:noFill/>
-                      <a:prstDash val="solid"/>
-                    </a:lnBlToTr>
-                    <a:noFill/>
-                  </a:tcPr>
-                </a:tc>
-                <a:tc>
-                  <a:txBody>
-                    <a:bodyPr/>
-                    <a:lstStyle/>
-                    <a:p>
-                      <a:pPr algn="ctr"/>
-                      <a:r>
-                        <a:rPr lang="en-GB" dirty="0" smtClean="0">
-                          <a:latin typeface="Helvetica" charset="0"/>
-                          <a:ea typeface="Helvetica" charset="0"/>
-                          <a:cs typeface="Helvetica" charset="0"/>
-                        </a:rPr>
-                        <a:t>0</a:t>
-                      </a:r>
-                      <a:r>
-                        <a:rPr lang="en-GB" baseline="0" dirty="0" smtClean="0">
-                          <a:latin typeface="Helvetica" charset="0"/>
-                          <a:ea typeface="Helvetica" charset="0"/>
-                          <a:cs typeface="Helvetica" charset="0"/>
-                        </a:rPr>
-                        <a:t> </a:t>
-                      </a:r>
-                      <a:r>
-                        <a:rPr lang="mr-IN" baseline="0" dirty="0" smtClean="0">
-                          <a:latin typeface="Helvetica" charset="0"/>
-                          <a:ea typeface="Helvetica" charset="0"/>
-                          <a:cs typeface="Helvetica" charset="0"/>
-                        </a:rPr>
-                        <a:t>–</a:t>
-                      </a:r>
-                      <a:r>
-                        <a:rPr lang="en-GB" baseline="0" dirty="0" smtClean="0">
-                          <a:latin typeface="Helvetica" charset="0"/>
-                          <a:ea typeface="Helvetica" charset="0"/>
-                          <a:cs typeface="Helvetica" charset="0"/>
-                        </a:rPr>
-                        <a:t> 6 AM</a:t>
-                      </a:r>
-                      <a:endParaRPr lang="en-GB" dirty="0">
-                        <a:latin typeface="Helvetica" charset="0"/>
-                        <a:ea typeface="Helvetica" charset="0"/>
-                        <a:cs typeface="Helvetica" charset="0"/>
-                      </a:endParaRPr>
-                    </a:p>
-                  </a:txBody>
-                  <a:tcPr>
-                    <a:lnL>
-                      <a:noFill/>
-                    </a:lnL>
-                    <a:lnR>
-                      <a:noFill/>
-                    </a:lnR>
-                    <a:lnT w="25400" cmpd="sng">
-                      <a:noFill/>
-                    </a:lnT>
-                    <a:lnB w="25400" cmpd="sng">
-                      <a:noFill/>
-                    </a:lnB>
-                    <a:lnTlToBr w="12700" cmpd="sng">
-                      <a:noFill/>
-                      <a:prstDash val="solid"/>
-                    </a:lnTlToBr>
-                    <a:lnBlToTr w="12700" cmpd="sng">
-                      <a:noFill/>
-                      <a:prstDash val="solid"/>
-                    </a:lnBlToTr>
-                    <a:noFill/>
-                  </a:tcPr>
-                </a:tc>
-                <a:tc>
-                  <a:txBody>
-                    <a:bodyPr/>
-                    <a:lstStyle/>
-                    <a:p>
-                      <a:pPr algn="ctr"/>
-                      <a:r>
-                        <a:rPr lang="en-GB" dirty="0" smtClean="0">
-                          <a:latin typeface="Helvetica" charset="0"/>
-                          <a:ea typeface="Helvetica" charset="0"/>
-                          <a:cs typeface="Helvetica" charset="0"/>
-                        </a:rPr>
-                        <a:t>6 AM </a:t>
-                      </a:r>
-                      <a:r>
-                        <a:rPr lang="mr-IN" dirty="0" smtClean="0">
-                          <a:latin typeface="Helvetica" charset="0"/>
-                          <a:ea typeface="Helvetica" charset="0"/>
-                          <a:cs typeface="Helvetica" charset="0"/>
-                        </a:rPr>
-                        <a:t>–</a:t>
-                      </a:r>
-                      <a:r>
-                        <a:rPr lang="en-GB" dirty="0" smtClean="0">
-                          <a:latin typeface="Helvetica" charset="0"/>
-                          <a:ea typeface="Helvetica" charset="0"/>
-                          <a:cs typeface="Helvetica" charset="0"/>
-                        </a:rPr>
-                        <a:t> 6 PM</a:t>
-                      </a:r>
-                      <a:endParaRPr lang="en-GB" dirty="0">
-                        <a:latin typeface="Helvetica" charset="0"/>
-                        <a:ea typeface="Helvetica" charset="0"/>
-                        <a:cs typeface="Helvetica" charset="0"/>
-                      </a:endParaRPr>
-                    </a:p>
-                  </a:txBody>
-                  <a:tcPr>
-                    <a:lnL>
-                      <a:noFill/>
-                    </a:lnL>
-                    <a:lnR>
-                      <a:noFill/>
-                    </a:lnR>
-                    <a:lnT w="25400" cmpd="sng">
-                      <a:noFill/>
-                    </a:lnT>
-                    <a:lnB w="25400" cmpd="sng">
-                      <a:noFill/>
-                    </a:lnB>
-                    <a:lnTlToBr w="12700" cmpd="sng">
-                      <a:noFill/>
-                      <a:prstDash val="solid"/>
-                    </a:lnTlToBr>
-                    <a:lnBlToTr w="12700" cmpd="sng">
-                      <a:noFill/>
-                      <a:prstDash val="solid"/>
-                    </a:lnBlToTr>
-                    <a:noFill/>
-                  </a:tcPr>
-                </a:tc>
-                <a:tc>
-                  <a:txBody>
-                    <a:bodyPr/>
-                    <a:lstStyle/>
-                    <a:p>
-                      <a:pPr algn="ctr"/>
-                      <a:r>
-                        <a:rPr lang="en-GB" dirty="0" smtClean="0">
-                          <a:latin typeface="Helvetica" charset="0"/>
-                          <a:ea typeface="Helvetica" charset="0"/>
-                          <a:cs typeface="Helvetica" charset="0"/>
-                        </a:rPr>
-                        <a:t>6 </a:t>
-                      </a:r>
-                      <a:r>
-                        <a:rPr lang="mr-IN" dirty="0" smtClean="0">
-                          <a:latin typeface="Helvetica" charset="0"/>
-                          <a:ea typeface="Helvetica" charset="0"/>
-                          <a:cs typeface="Helvetica" charset="0"/>
-                        </a:rPr>
-                        <a:t>–</a:t>
-                      </a:r>
-                      <a:r>
-                        <a:rPr lang="en-GB" dirty="0" smtClean="0">
-                          <a:latin typeface="Helvetica" charset="0"/>
-                          <a:ea typeface="Helvetica" charset="0"/>
-                          <a:cs typeface="Helvetica" charset="0"/>
-                        </a:rPr>
-                        <a:t> 12 PM</a:t>
-                      </a:r>
-                      <a:endParaRPr lang="en-GB" dirty="0">
-                        <a:latin typeface="Helvetica" charset="0"/>
-                        <a:ea typeface="Helvetica" charset="0"/>
-                        <a:cs typeface="Helvetica" charset="0"/>
-                      </a:endParaRPr>
-                    </a:p>
-                  </a:txBody>
-                  <a:tcPr>
-                    <a:lnL>
-                      <a:noFill/>
-                    </a:lnL>
-                    <a:lnR>
-                      <a:noFill/>
-                    </a:lnR>
-                    <a:lnT w="25400" cmpd="sng">
-                      <a:noFill/>
-                    </a:lnT>
-                    <a:lnB w="25400" cmpd="sng">
-                      <a:noFill/>
-                    </a:lnB>
-                    <a:lnTlToBr w="12700" cmpd="sng">
-                      <a:noFill/>
-                      <a:prstDash val="solid"/>
-                    </a:lnTlToBr>
-                    <a:lnBlToTr w="12700" cmpd="sng">
-                      <a:noFill/>
-                      <a:prstDash val="solid"/>
-                    </a:lnBlToTr>
-                    <a:noFill/>
-                  </a:tcPr>
-                </a:tc>
-              </a:tr>
-              <a:tr h="370840">
-                <a:tc>
-                  <a:txBody>
-                    <a:bodyPr/>
-                    <a:lstStyle/>
-                    <a:p>
-                      <a:r>
-                        <a:rPr lang="en-GB" dirty="0" smtClean="0">
-                          <a:solidFill>
-                            <a:schemeClr val="tx1"/>
-                          </a:solidFill>
-                          <a:latin typeface="Helvetica" charset="0"/>
-                          <a:ea typeface="Helvetica" charset="0"/>
-                          <a:cs typeface="Helvetica" charset="0"/>
-                        </a:rPr>
-                        <a:t>Mo</a:t>
-                      </a:r>
-                      <a:r>
-                        <a:rPr lang="en-GB" baseline="0" dirty="0" smtClean="0">
-                          <a:solidFill>
-                            <a:schemeClr val="tx1"/>
-                          </a:solidFill>
-                          <a:latin typeface="Helvetica" charset="0"/>
-                          <a:ea typeface="Helvetica" charset="0"/>
-                          <a:cs typeface="Helvetica" charset="0"/>
-                        </a:rPr>
-                        <a:t>nday</a:t>
-                      </a:r>
-                      <a:endParaRPr lang="en-GB" dirty="0">
-                        <a:solidFill>
-                          <a:schemeClr val="tx1"/>
-                        </a:solidFill>
-                        <a:latin typeface="Helvetica" charset="0"/>
-                        <a:ea typeface="Helvetica" charset="0"/>
-                        <a:cs typeface="Helvetica" charset="0"/>
-                      </a:endParaRPr>
-                    </a:p>
-                  </a:txBody>
-                  <a:tcPr>
-                    <a:lnT w="25400" cmpd="sng">
-                      <a:noFill/>
-                    </a:lnT>
-                    <a:noFill/>
-                  </a:tcPr>
-                </a:tc>
-                <a:tc>
-                  <a:txBody>
-                    <a:bodyPr/>
-                    <a:lstStyle/>
-                    <a:p>
-                      <a:pPr algn="ctr"/>
-                      <a:r>
-                        <a:rPr lang="en-GB" sz="3200" dirty="0" smtClean="0"/>
-                        <a:t>🍺</a:t>
-                      </a:r>
-                      <a:endParaRPr lang="en-GB" sz="3200" dirty="0"/>
-                    </a:p>
-                  </a:txBody>
-                  <a:tcPr>
-                    <a:lnT w="25400" cmpd="sng">
-                      <a:noFill/>
-                    </a:lnT>
-                  </a:tcPr>
-                </a:tc>
-                <a:tc>
-                  <a:txBody>
-                    <a:bodyPr/>
-                    <a:lstStyle/>
-                    <a:p>
-                      <a:pPr algn="ctr"/>
-                      <a:r>
-                        <a:rPr lang="en-GB" sz="3200" dirty="0" smtClean="0"/>
-                        <a:t>🎓</a:t>
-                      </a:r>
-                      <a:endParaRPr lang="en-GB" sz="3200" dirty="0"/>
-                    </a:p>
-                  </a:txBody>
-                  <a:tcPr>
-                    <a:lnT w="25400" cmpd="sng">
-                      <a:noFill/>
-                    </a:lnT>
-                  </a:tcPr>
-                </a:tc>
-                <a:tc>
-                  <a:txBody>
-                    <a:bodyPr/>
-                    <a:lstStyle/>
-                    <a:p>
-                      <a:pPr algn="ctr"/>
-                      <a:r>
-                        <a:rPr lang="en-GB" sz="3200" dirty="0" smtClean="0"/>
-                        <a:t>🍺</a:t>
-                      </a:r>
-                      <a:endParaRPr lang="en-GB" sz="3200" dirty="0"/>
-                    </a:p>
-                  </a:txBody>
-                  <a:tcPr>
-                    <a:lnT w="25400" cmpd="sng">
-                      <a:noFill/>
-                    </a:lnT>
-                  </a:tcPr>
-                </a:tc>
-              </a:tr>
-              <a:tr h="370840">
-                <a:tc>
-                  <a:txBody>
-                    <a:bodyPr/>
-                    <a:lstStyle/>
-                    <a:p>
-                      <a:r>
-                        <a:rPr lang="en-GB" dirty="0" smtClean="0">
-                          <a:solidFill>
-                            <a:schemeClr val="tx1"/>
-                          </a:solidFill>
-                          <a:latin typeface="Helvetica" charset="0"/>
-                          <a:ea typeface="Helvetica" charset="0"/>
-                          <a:cs typeface="Helvetica" charset="0"/>
-                        </a:rPr>
-                        <a:t>Tuesday</a:t>
-                      </a:r>
-                      <a:endParaRPr lang="en-GB" dirty="0">
-                        <a:solidFill>
-                          <a:schemeClr val="tx1"/>
-                        </a:solidFill>
-                        <a:latin typeface="Helvetica" charset="0"/>
-                        <a:ea typeface="Helvetica" charset="0"/>
-                        <a:cs typeface="Helvetica" charset="0"/>
-                      </a:endParaRPr>
-                    </a:p>
-                  </a:txBody>
-                  <a:tcPr>
-                    <a:noFill/>
-                  </a:tcPr>
-                </a:tc>
-                <a:tc>
-                  <a:txBody>
-                    <a:bodyPr/>
-                    <a:lstStyle/>
-                    <a:p>
-                      <a:pPr algn="ctr"/>
-                      <a:r>
-                        <a:rPr lang="en-GB" sz="3200" dirty="0" smtClean="0"/>
-                        <a:t>🍺</a:t>
-                      </a:r>
-                      <a:endParaRPr lang="en-GB" sz="3200" dirty="0"/>
-                    </a:p>
-                  </a:txBody>
-                  <a:tcPr/>
-                </a:tc>
-                <a:tc>
-                  <a:txBody>
-                    <a:bodyPr/>
-                    <a:lstStyle/>
-                    <a:p>
-                      <a:pPr algn="ctr"/>
-                      <a:r>
-                        <a:rPr lang="en-GB" sz="3200" dirty="0" smtClean="0"/>
-                        <a:t>🎓</a:t>
-                      </a:r>
-                      <a:endParaRPr lang="en-GB" sz="3200" dirty="0"/>
-                    </a:p>
-                  </a:txBody>
-                  <a:tcPr/>
-                </a:tc>
-                <a:tc>
-                  <a:txBody>
-                    <a:bodyPr/>
-                    <a:lstStyle/>
-                    <a:p>
-                      <a:pPr algn="ctr"/>
-                      <a:r>
-                        <a:rPr lang="en-GB" sz="3200" dirty="0" smtClean="0"/>
-                        <a:t>🍺</a:t>
-                      </a:r>
-                      <a:endParaRPr lang="en-GB" sz="3200" dirty="0"/>
-                    </a:p>
-                  </a:txBody>
-                  <a:tcPr/>
-                </a:tc>
-              </a:tr>
-              <a:tr h="370840">
-                <a:tc>
-                  <a:txBody>
-                    <a:bodyPr/>
-                    <a:lstStyle/>
-                    <a:p>
-                      <a:r>
-                        <a:rPr lang="en-GB" dirty="0" smtClean="0">
-                          <a:solidFill>
-                            <a:schemeClr val="tx1"/>
-                          </a:solidFill>
-                          <a:latin typeface="Helvetica" charset="0"/>
-                          <a:ea typeface="Helvetica" charset="0"/>
-                          <a:cs typeface="Helvetica" charset="0"/>
-                        </a:rPr>
-                        <a:t>Wednesday</a:t>
-                      </a:r>
-                      <a:endParaRPr lang="en-GB" dirty="0">
-                        <a:solidFill>
-                          <a:schemeClr val="tx1"/>
-                        </a:solidFill>
-                        <a:latin typeface="Helvetica" charset="0"/>
-                        <a:ea typeface="Helvetica" charset="0"/>
-                        <a:cs typeface="Helvetica" charset="0"/>
-                      </a:endParaRPr>
-                    </a:p>
-                  </a:txBody>
-                  <a:tcPr>
-                    <a:noFill/>
-                  </a:tcPr>
-                </a:tc>
-                <a:tc>
-                  <a:txBody>
-                    <a:bodyPr/>
-                    <a:lstStyle/>
-                    <a:p>
-                      <a:pPr algn="ctr"/>
-                      <a:r>
-                        <a:rPr lang="en-GB" sz="3200" dirty="0" smtClean="0"/>
-                        <a:t>🍺</a:t>
-                      </a:r>
-                      <a:endParaRPr lang="en-GB" sz="3200" dirty="0"/>
-                    </a:p>
-                  </a:txBody>
-                  <a:tcPr/>
-                </a:tc>
-                <a:tc>
-                  <a:txBody>
-                    <a:bodyPr/>
-                    <a:lstStyle/>
-                    <a:p>
-                      <a:pPr algn="ctr"/>
-                      <a:r>
-                        <a:rPr lang="en-GB" sz="3200" dirty="0" smtClean="0"/>
-                        <a:t>🎓</a:t>
-                      </a:r>
-                      <a:endParaRPr lang="en-GB" sz="3200" dirty="0"/>
-                    </a:p>
-                  </a:txBody>
-                  <a:tcPr/>
-                </a:tc>
-                <a:tc>
-                  <a:txBody>
-                    <a:bodyPr/>
-                    <a:lstStyle/>
-                    <a:p>
-                      <a:pPr algn="ctr"/>
-                      <a:r>
-                        <a:rPr lang="en-GB" sz="3200" dirty="0" smtClean="0"/>
-                        <a:t>🍺</a:t>
-                      </a:r>
-                      <a:endParaRPr lang="en-GB" sz="3200" dirty="0"/>
-                    </a:p>
-                  </a:txBody>
-                  <a:tcPr/>
-                </a:tc>
-              </a:tr>
-              <a:tr h="370840">
-                <a:tc>
-                  <a:txBody>
-                    <a:bodyPr/>
-                    <a:lstStyle/>
-                    <a:p>
-                      <a:r>
-                        <a:rPr lang="en-GB" dirty="0" smtClean="0">
-                          <a:solidFill>
-                            <a:schemeClr val="tx1"/>
-                          </a:solidFill>
-                          <a:latin typeface="Helvetica" charset="0"/>
-                          <a:ea typeface="Helvetica" charset="0"/>
-                          <a:cs typeface="Helvetica" charset="0"/>
-                        </a:rPr>
-                        <a:t>Thursday</a:t>
-                      </a:r>
-                      <a:endParaRPr lang="en-GB" dirty="0">
-                        <a:solidFill>
-                          <a:schemeClr val="tx1"/>
-                        </a:solidFill>
-                        <a:latin typeface="Helvetica" charset="0"/>
-                        <a:ea typeface="Helvetica" charset="0"/>
-                        <a:cs typeface="Helvetica" charset="0"/>
-                      </a:endParaRPr>
-                    </a:p>
-                  </a:txBody>
-                  <a:tcPr>
-                    <a:noFill/>
-                  </a:tcPr>
-                </a:tc>
-                <a:tc>
-                  <a:txBody>
-                    <a:bodyPr/>
-                    <a:lstStyle/>
-                    <a:p>
-                      <a:pPr algn="ctr"/>
-                      <a:r>
-                        <a:rPr lang="en-GB" sz="3200" dirty="0" smtClean="0"/>
-                        <a:t>🍺</a:t>
-                      </a:r>
-                      <a:endParaRPr lang="en-GB" sz="3200" dirty="0"/>
-                    </a:p>
-                  </a:txBody>
-                  <a:tcPr/>
-                </a:tc>
-                <a:tc>
-                  <a:txBody>
-                    <a:bodyPr/>
-                    <a:lstStyle/>
-                    <a:p>
-                      <a:pPr algn="ctr"/>
-                      <a:r>
-                        <a:rPr lang="en-GB" sz="3200" dirty="0" smtClean="0"/>
-                        <a:t>🎓</a:t>
-                      </a:r>
-                      <a:endParaRPr lang="en-GB" sz="3200" dirty="0"/>
-                    </a:p>
-                  </a:txBody>
-                  <a:tcPr/>
-                </a:tc>
-                <a:tc>
-                  <a:txBody>
-                    <a:bodyPr/>
-                    <a:lstStyle/>
-                    <a:p>
-                      <a:pPr algn="ctr"/>
-                      <a:r>
-                        <a:rPr lang="en-GB" sz="3200" dirty="0" smtClean="0"/>
-                        <a:t>🍺</a:t>
-                      </a:r>
-                      <a:endParaRPr lang="en-GB" sz="3200" dirty="0"/>
-                    </a:p>
-                  </a:txBody>
-                  <a:tcPr/>
-                </a:tc>
-              </a:tr>
-              <a:tr h="370840">
-                <a:tc>
-                  <a:txBody>
-                    <a:bodyPr/>
-                    <a:lstStyle/>
-                    <a:p>
-                      <a:r>
-                        <a:rPr lang="en-GB" dirty="0" smtClean="0">
-                          <a:solidFill>
-                            <a:schemeClr val="tx1"/>
-                          </a:solidFill>
-                          <a:latin typeface="Helvetica" charset="0"/>
-                          <a:ea typeface="Helvetica" charset="0"/>
-                          <a:cs typeface="Helvetica" charset="0"/>
-                        </a:rPr>
-                        <a:t>Friday</a:t>
-                      </a:r>
-                      <a:endParaRPr lang="en-GB" dirty="0">
-                        <a:solidFill>
-                          <a:schemeClr val="tx1"/>
-                        </a:solidFill>
-                        <a:latin typeface="Helvetica" charset="0"/>
-                        <a:ea typeface="Helvetica" charset="0"/>
-                        <a:cs typeface="Helvetica" charset="0"/>
-                      </a:endParaRPr>
-                    </a:p>
-                  </a:txBody>
-                  <a:tcPr>
-                    <a:noFill/>
-                  </a:tcPr>
-                </a:tc>
-                <a:tc>
-                  <a:txBody>
-                    <a:bodyPr/>
-                    <a:lstStyle/>
-                    <a:p>
-                      <a:pPr algn="ctr"/>
-                      <a:r>
-                        <a:rPr lang="en-GB" sz="3200" dirty="0" smtClean="0"/>
-                        <a:t>🍺</a:t>
-                      </a:r>
-                      <a:endParaRPr lang="en-GB" sz="3200" dirty="0"/>
-                    </a:p>
-                  </a:txBody>
-                  <a:tcPr/>
-                </a:tc>
-                <a:tc>
-                  <a:txBody>
-                    <a:bodyPr/>
-                    <a:lstStyle/>
-                    <a:p>
-                      <a:pPr algn="ctr"/>
-                      <a:r>
-                        <a:rPr lang="en-GB" sz="3200" dirty="0" smtClean="0"/>
-                        <a:t>🎓</a:t>
-                      </a:r>
-                      <a:endParaRPr lang="en-GB" sz="3200" dirty="0"/>
-                    </a:p>
-                  </a:txBody>
-                  <a:tcPr/>
-                </a:tc>
-                <a:tc>
-                  <a:txBody>
-                    <a:bodyPr/>
-                    <a:lstStyle/>
-                    <a:p>
-                      <a:pPr algn="ctr"/>
-                      <a:r>
-                        <a:rPr lang="en-GB" sz="3200" dirty="0" smtClean="0"/>
-                        <a:t>🍺</a:t>
-                      </a:r>
-                      <a:endParaRPr lang="en-GB" sz="3200" dirty="0"/>
-                    </a:p>
-                  </a:txBody>
-                  <a:tcPr/>
-                </a:tc>
-              </a:tr>
-              <a:tr h="370840">
-                <a:tc>
-                  <a:txBody>
-                    <a:bodyPr/>
-                    <a:lstStyle/>
-                    <a:p>
-                      <a:r>
-                        <a:rPr lang="en-GB" dirty="0" smtClean="0">
-                          <a:solidFill>
-                            <a:schemeClr val="tx1"/>
-                          </a:solidFill>
-                          <a:latin typeface="Helvetica" charset="0"/>
-                          <a:ea typeface="Helvetica" charset="0"/>
-                          <a:cs typeface="Helvetica" charset="0"/>
-                        </a:rPr>
-                        <a:t>Saturday</a:t>
-                      </a:r>
-                      <a:endParaRPr lang="en-GB" dirty="0">
-                        <a:solidFill>
-                          <a:schemeClr val="tx1"/>
-                        </a:solidFill>
-                        <a:latin typeface="Helvetica" charset="0"/>
-                        <a:ea typeface="Helvetica" charset="0"/>
-                        <a:cs typeface="Helvetica" charset="0"/>
-                      </a:endParaRPr>
-                    </a:p>
-                  </a:txBody>
-                  <a:tcPr>
-                    <a:lnB>
-                      <a:noFill/>
-                    </a:lnB>
-                    <a:noFill/>
-                  </a:tcPr>
-                </a:tc>
-                <a:tc>
-                  <a:txBody>
-                    <a:bodyPr/>
-                    <a:lstStyle/>
-                    <a:p>
-                      <a:pPr algn="ctr"/>
-                      <a:r>
-                        <a:rPr lang="en-GB" sz="3200" dirty="0" smtClean="0"/>
-                        <a:t>🍺</a:t>
-                      </a:r>
-                      <a:endParaRPr lang="en-GB" sz="3200" dirty="0"/>
-                    </a:p>
-                  </a:txBody>
-                  <a:tcPr>
-                    <a:lnB>
-                      <a:noFill/>
-                    </a:lnB>
-                  </a:tcPr>
-                </a:tc>
-                <a:tc>
-                  <a:txBody>
-                    <a:bodyPr/>
-                    <a:lstStyle/>
-                    <a:p>
-                      <a:pPr algn="ctr"/>
-                      <a:r>
-                        <a:rPr lang="en-GB" sz="3200" dirty="0" smtClean="0"/>
-                        <a:t>🍺</a:t>
-                      </a:r>
-                      <a:endParaRPr lang="en-GB" sz="3200" dirty="0"/>
-                    </a:p>
-                  </a:txBody>
-                  <a:tcPr>
-                    <a:lnB>
-                      <a:noFill/>
-                    </a:lnB>
-                  </a:tcPr>
-                </a:tc>
-                <a:tc>
-                  <a:txBody>
-                    <a:bodyPr/>
-                    <a:lstStyle/>
-                    <a:p>
-                      <a:pPr algn="ctr"/>
-                      <a:r>
-                        <a:rPr lang="en-GB" sz="3200" dirty="0" smtClean="0"/>
-                        <a:t>🍺</a:t>
-                      </a:r>
-                      <a:endParaRPr lang="en-GB" sz="3200" dirty="0"/>
-                    </a:p>
-                  </a:txBody>
-                  <a:tcPr>
-                    <a:lnB>
-                      <a:noFill/>
-                    </a:lnB>
-                  </a:tcPr>
-                </a:tc>
-              </a:tr>
-              <a:tr h="370840">
-                <a:tc>
-                  <a:txBody>
-                    <a:bodyPr/>
-                    <a:lstStyle/>
-                    <a:p>
-                      <a:r>
-                        <a:rPr lang="en-GB" dirty="0" smtClean="0">
-                          <a:solidFill>
-                            <a:schemeClr val="tx1"/>
-                          </a:solidFill>
-                          <a:latin typeface="Helvetica" charset="0"/>
-                          <a:ea typeface="Helvetica" charset="0"/>
-                          <a:cs typeface="Helvetica" charset="0"/>
-                        </a:rPr>
-                        <a:t>Sunday</a:t>
-                      </a:r>
-                      <a:endParaRPr lang="en-GB" dirty="0">
-                        <a:solidFill>
-                          <a:schemeClr val="tx1"/>
-                        </a:solidFill>
-                        <a:latin typeface="Helvetica" charset="0"/>
-                        <a:ea typeface="Helvetica" charset="0"/>
-                        <a:cs typeface="Helvetica" charset="0"/>
-                      </a:endParaRPr>
-                    </a:p>
-                  </a:txBody>
-                  <a:tcPr>
-                    <a:lnL>
-                      <a:noFill/>
-                    </a:lnL>
-                    <a:lnR>
-                      <a:noFill/>
-                    </a:lnR>
-                    <a:lnT>
-                      <a:noFill/>
-                    </a:lnT>
-                    <a:lnB w="25400" cmpd="sng">
-                      <a:noFill/>
-                    </a:lnB>
-                    <a:lnTlToBr w="12700" cmpd="sng">
-                      <a:noFill/>
-                      <a:prstDash val="solid"/>
-                    </a:lnTlToBr>
-                    <a:lnBlToTr w="12700" cmpd="sng">
-                      <a:noFill/>
-                      <a:prstDash val="solid"/>
-                    </a:lnBlToTr>
-                    <a:noFill/>
-                  </a:tcPr>
-                </a:tc>
-                <a:tc>
-                  <a:txBody>
-                    <a:bodyPr/>
-                    <a:lstStyle/>
-                    <a:p>
-                      <a:pPr algn="ctr"/>
-                      <a:r>
-                        <a:rPr lang="en-GB" sz="3200" dirty="0" smtClean="0"/>
-                        <a:t>🍺</a:t>
-                      </a:r>
-                      <a:endParaRPr lang="en-GB" sz="3200" dirty="0"/>
-                    </a:p>
-                  </a:txBody>
-                  <a:tcPr>
-                    <a:lnL>
-                      <a:noFill/>
-                    </a:lnL>
-                    <a:lnR>
-                      <a:noFill/>
-                    </a:lnR>
-                    <a:lnT>
-                      <a:noFill/>
-                    </a:lnT>
-                    <a:lnB w="25400" cmpd="sng">
-                      <a:noFill/>
-                    </a:lnB>
-                    <a:lnTlToBr w="12700" cmpd="sng">
-                      <a:noFill/>
-                      <a:prstDash val="solid"/>
-                    </a:lnTlToBr>
-                    <a:lnBlToTr w="12700" cmpd="sng">
-                      <a:noFill/>
-                      <a:prstDash val="solid"/>
-                    </a:lnBlToTr>
-                  </a:tcPr>
-                </a:tc>
-                <a:tc>
-                  <a:txBody>
-                    <a:bodyPr/>
-                    <a:lstStyle/>
-                    <a:p>
-                      <a:pPr algn="ctr"/>
-                      <a:r>
-                        <a:rPr lang="en-GB" sz="3200" dirty="0" smtClean="0"/>
-                        <a:t>🍺</a:t>
-                      </a:r>
-                      <a:endParaRPr lang="en-GB" sz="3200" dirty="0"/>
-                    </a:p>
-                  </a:txBody>
-                  <a:tcPr>
-                    <a:lnL>
-                      <a:noFill/>
-                    </a:lnL>
-                    <a:lnR>
-                      <a:noFill/>
-                    </a:lnR>
-                    <a:lnT>
-                      <a:noFill/>
-                    </a:lnT>
-                    <a:lnB w="25400" cmpd="sng">
-                      <a:noFill/>
-                    </a:lnB>
-                    <a:lnTlToBr w="12700" cmpd="sng">
-                      <a:noFill/>
-                      <a:prstDash val="solid"/>
-                    </a:lnTlToBr>
-                    <a:lnBlToTr w="12700" cmpd="sng">
-                      <a:noFill/>
-                      <a:prstDash val="solid"/>
-                    </a:lnBlToTr>
-                  </a:tcPr>
-                </a:tc>
-                <a:tc>
-                  <a:txBody>
-                    <a:bodyPr/>
-                    <a:lstStyle/>
-                    <a:p>
-                      <a:pPr algn="ctr"/>
-                      <a:r>
-                        <a:rPr lang="en-GB" sz="3200" dirty="0" smtClean="0"/>
-                        <a:t>🍺</a:t>
-                      </a:r>
-                      <a:endParaRPr lang="en-GB" sz="3200" dirty="0"/>
-                    </a:p>
-                  </a:txBody>
-                  <a:tcPr>
-                    <a:lnL>
-                      <a:noFill/>
-                    </a:lnL>
-                    <a:lnR>
-                      <a:noFill/>
-                    </a:lnR>
-                    <a:lnT>
-                      <a:noFill/>
-                    </a:lnT>
-                    <a:lnB w="25400" cmpd="sng">
-                      <a:noFill/>
-                    </a:lnB>
-                    <a:lnTlToBr w="12700" cmpd="sng">
-                      <a:noFill/>
-                      <a:prstDash val="solid"/>
-                    </a:lnTlToBr>
-                    <a:lnBlToTr w="12700" cmpd="sng">
-                      <a:noFill/>
-                      <a:prstDash val="solid"/>
-                    </a:lnBlToTr>
-                  </a:tcPr>
-                </a:tc>
-              </a:tr>
-            </a:tbl>
-          </a:graphicData>
-        </a:graphic>
-      </p:graphicFrame>
     </p:spTree>
     <p:extLst>
       <p:ext uri="{BB962C8B-B14F-4D97-AF65-F5344CB8AC3E}">
-        <p14:creationId xmlns:p14="http://schemas.microsoft.com/office/powerpoint/2010/main" val="1776499964"/>
+        <p14:creationId xmlns:p14="http://schemas.microsoft.com/office/powerpoint/2010/main" val="959181213"/>
       </p:ext>
     </p:extLst>
   </p:cSld>
@@ -9094,1247 +7191,45 @@
           <a:chExt cx="0" cy="0"/>
         </a:xfrm>
       </p:grpSpPr>
-      <p:sp>
-        <p:nvSpPr>
-          <p:cNvPr id="10" name="Inhaltsplatzhalter 2"/>
-          <p:cNvSpPr txBox="1">
-            <a:spLocks/>
-          </p:cNvSpPr>
-          <p:nvPr/>
-        </p:nvSpPr>
+      <p:pic>
+        <p:nvPicPr>
+          <p:cNvPr id="4" name="Content Placeholder 3"/>
+          <p:cNvPicPr>
+            <a:picLocks noGrp="1" noChangeAspect="1"/>
+          </p:cNvPicPr>
+          <p:nvPr>
+            <p:ph idx="1"/>
+          </p:nvPr>
+        </p:nvPicPr>
+        <p:blipFill>
+          <a:blip r:embed="rId2">
+            <a:extLst>
+              <a:ext uri="{28A0092B-C50C-407E-A947-70E740481C1C}">
+                <a14:useLocalDpi xmlns:a14="http://schemas.microsoft.com/office/drawing/2010/main" val="0"/>
+              </a:ext>
+            </a:extLst>
+          </a:blip>
+          <a:stretch>
+            <a:fillRect/>
+          </a:stretch>
+        </p:blipFill>
         <p:spPr>
           <a:xfrm>
-            <a:off x="1443319" y="2218394"/>
-            <a:ext cx="923364" cy="506754"/>
+            <a:off x="1129554" y="295836"/>
+            <a:ext cx="10131425" cy="6252990"/>
           </a:xfrm>
-          <a:prstGeom prst="rect">
-            <a:avLst/>
-          </a:prstGeom>
         </p:spPr>
-        <p:txBody>
-          <a:bodyPr vert="horz" lIns="91440" tIns="45720" rIns="91440" bIns="45720" rtlCol="0" anchor="ctr">
-            <a:noAutofit/>
-          </a:bodyPr>
-          <a:lstStyle>
-            <a:lvl1pPr marL="285750" indent="-285750" algn="l" defTabSz="457200" rtl="0" eaLnBrk="1" latinLnBrk="0" hangingPunct="1">
-              <a:spcBef>
-                <a:spcPts val="0"/>
-              </a:spcBef>
-              <a:spcAft>
-                <a:spcPts val="1000"/>
-              </a:spcAft>
-              <a:buClr>
-                <a:schemeClr val="tx1"/>
-              </a:buClr>
-              <a:buSzPct val="100000"/>
-              <a:buFont typeface="Arial"/>
-              <a:buChar char="•"/>
-              <a:defRPr sz="1800" kern="1200" cap="none">
-                <a:solidFill>
-                  <a:schemeClr val="tx1"/>
-                </a:solidFill>
-                <a:effectLst/>
-                <a:latin typeface="+mn-lt"/>
-                <a:ea typeface="+mn-ea"/>
-                <a:cs typeface="+mn-cs"/>
-              </a:defRPr>
-            </a:lvl1pPr>
-            <a:lvl2pPr marL="742950" indent="-285750" algn="l" defTabSz="457200" rtl="0" eaLnBrk="1" latinLnBrk="0" hangingPunct="1">
-              <a:spcBef>
-                <a:spcPts val="0"/>
-              </a:spcBef>
-              <a:spcAft>
-                <a:spcPts val="1000"/>
-              </a:spcAft>
-              <a:buClr>
-                <a:schemeClr val="tx1"/>
-              </a:buClr>
-              <a:buSzPct val="100000"/>
-              <a:buFont typeface="Arial"/>
-              <a:buChar char="•"/>
-              <a:defRPr sz="1600" kern="1200" cap="none">
-                <a:solidFill>
-                  <a:schemeClr val="tx1"/>
-                </a:solidFill>
-                <a:effectLst/>
-                <a:latin typeface="+mn-lt"/>
-                <a:ea typeface="+mn-ea"/>
-                <a:cs typeface="+mn-cs"/>
-              </a:defRPr>
-            </a:lvl2pPr>
-            <a:lvl3pPr marL="1200150" indent="-285750" algn="l" defTabSz="457200" rtl="0" eaLnBrk="1" latinLnBrk="0" hangingPunct="1">
-              <a:spcBef>
-                <a:spcPts val="0"/>
-              </a:spcBef>
-              <a:spcAft>
-                <a:spcPts val="1000"/>
-              </a:spcAft>
-              <a:buClr>
-                <a:schemeClr val="tx1"/>
-              </a:buClr>
-              <a:buSzPct val="100000"/>
-              <a:buFont typeface="Arial"/>
-              <a:buChar char="•"/>
-              <a:defRPr sz="1400" kern="1200" cap="none">
-                <a:solidFill>
-                  <a:schemeClr val="tx1"/>
-                </a:solidFill>
-                <a:effectLst/>
-                <a:latin typeface="+mn-lt"/>
-                <a:ea typeface="+mn-ea"/>
-                <a:cs typeface="+mn-cs"/>
-              </a:defRPr>
-            </a:lvl3pPr>
-            <a:lvl4pPr marL="1543050" indent="-171450" algn="l" defTabSz="457200" rtl="0" eaLnBrk="1" latinLnBrk="0" hangingPunct="1">
-              <a:spcBef>
-                <a:spcPts val="0"/>
-              </a:spcBef>
-              <a:spcAft>
-                <a:spcPts val="1000"/>
-              </a:spcAft>
-              <a:buClr>
-                <a:schemeClr val="tx1"/>
-              </a:buClr>
-              <a:buSzPct val="100000"/>
-              <a:buFont typeface="Arial"/>
-              <a:buChar char="•"/>
-              <a:defRPr sz="1200" kern="1200" cap="none">
-                <a:solidFill>
-                  <a:schemeClr val="tx1"/>
-                </a:solidFill>
-                <a:effectLst/>
-                <a:latin typeface="+mn-lt"/>
-                <a:ea typeface="+mn-ea"/>
-                <a:cs typeface="+mn-cs"/>
-              </a:defRPr>
-            </a:lvl4pPr>
-            <a:lvl5pPr marL="2000250" indent="-171450" algn="l" defTabSz="457200" rtl="0" eaLnBrk="1" latinLnBrk="0" hangingPunct="1">
-              <a:spcBef>
-                <a:spcPts val="0"/>
-              </a:spcBef>
-              <a:spcAft>
-                <a:spcPts val="1000"/>
-              </a:spcAft>
-              <a:buClr>
-                <a:schemeClr val="tx1"/>
-              </a:buClr>
-              <a:buSzPct val="100000"/>
-              <a:buFont typeface="Arial"/>
-              <a:buChar char="•"/>
-              <a:defRPr sz="1200" kern="1200" cap="none">
-                <a:solidFill>
-                  <a:schemeClr val="tx1"/>
-                </a:solidFill>
-                <a:effectLst/>
-                <a:latin typeface="+mn-lt"/>
-                <a:ea typeface="+mn-ea"/>
-                <a:cs typeface="+mn-cs"/>
-              </a:defRPr>
-            </a:lvl5pPr>
-            <a:lvl6pPr marL="2514600" indent="-228600" algn="l" defTabSz="457200" rtl="0" eaLnBrk="1" latinLnBrk="0" hangingPunct="1">
-              <a:spcBef>
-                <a:spcPts val="0"/>
-              </a:spcBef>
-              <a:spcAft>
-                <a:spcPts val="1000"/>
-              </a:spcAft>
-              <a:buClr>
-                <a:schemeClr val="tx1"/>
-              </a:buClr>
-              <a:buSzPct val="100000"/>
-              <a:buFont typeface="Arial"/>
-              <a:buChar char="•"/>
-              <a:defRPr sz="1200" kern="1200" cap="none">
-                <a:solidFill>
-                  <a:schemeClr val="tx1"/>
-                </a:solidFill>
-                <a:effectLst/>
-                <a:latin typeface="+mn-lt"/>
-                <a:ea typeface="+mn-ea"/>
-                <a:cs typeface="+mn-cs"/>
-              </a:defRPr>
-            </a:lvl6pPr>
-            <a:lvl7pPr marL="2971800" indent="-228600" algn="l" defTabSz="457200" rtl="0" eaLnBrk="1" latinLnBrk="0" hangingPunct="1">
-              <a:spcBef>
-                <a:spcPts val="0"/>
-              </a:spcBef>
-              <a:spcAft>
-                <a:spcPts val="1000"/>
-              </a:spcAft>
-              <a:buClr>
-                <a:schemeClr val="tx1"/>
-              </a:buClr>
-              <a:buSzPct val="100000"/>
-              <a:buFont typeface="Arial"/>
-              <a:buChar char="•"/>
-              <a:defRPr sz="1200" kern="1200" cap="none">
-                <a:solidFill>
-                  <a:schemeClr val="tx1"/>
-                </a:solidFill>
-                <a:effectLst/>
-                <a:latin typeface="+mn-lt"/>
-                <a:ea typeface="+mn-ea"/>
-                <a:cs typeface="+mn-cs"/>
-              </a:defRPr>
-            </a:lvl7pPr>
-            <a:lvl8pPr marL="3429000" indent="-228600" algn="l" defTabSz="457200" rtl="0" eaLnBrk="1" latinLnBrk="0" hangingPunct="1">
-              <a:spcBef>
-                <a:spcPts val="0"/>
-              </a:spcBef>
-              <a:spcAft>
-                <a:spcPts val="1000"/>
-              </a:spcAft>
-              <a:buClr>
-                <a:schemeClr val="tx1"/>
-              </a:buClr>
-              <a:buSzPct val="100000"/>
-              <a:buFont typeface="Arial"/>
-              <a:buChar char="•"/>
-              <a:defRPr sz="1200" kern="1200" cap="none">
-                <a:solidFill>
-                  <a:schemeClr val="tx1"/>
-                </a:solidFill>
-                <a:effectLst/>
-                <a:latin typeface="+mn-lt"/>
-                <a:ea typeface="+mn-ea"/>
-                <a:cs typeface="+mn-cs"/>
-              </a:defRPr>
-            </a:lvl8pPr>
-            <a:lvl9pPr marL="3886200" indent="-228600" algn="l" defTabSz="457200" rtl="0" eaLnBrk="1" latinLnBrk="0" hangingPunct="1">
-              <a:spcBef>
-                <a:spcPts val="0"/>
-              </a:spcBef>
-              <a:spcAft>
-                <a:spcPts val="1000"/>
-              </a:spcAft>
-              <a:buClr>
-                <a:schemeClr val="tx1"/>
-              </a:buClr>
-              <a:buSzPct val="100000"/>
-              <a:buFont typeface="Arial"/>
-              <a:buChar char="•"/>
-              <a:defRPr sz="1200" kern="1200" cap="none">
-                <a:solidFill>
-                  <a:schemeClr val="tx1"/>
-                </a:solidFill>
-                <a:effectLst/>
-                <a:latin typeface="+mn-lt"/>
-                <a:ea typeface="+mn-ea"/>
-                <a:cs typeface="+mn-cs"/>
-              </a:defRPr>
-            </a:lvl9pPr>
-          </a:lstStyle>
-          <a:p>
-            <a:pPr marL="0" indent="0">
-              <a:buFont typeface="Arial"/>
-              <a:buNone/>
-            </a:pPr>
-            <a:endParaRPr lang="de-DE" sz="8800" b="1" dirty="0">
-              <a:solidFill>
-                <a:srgbClr val="FF0000"/>
-              </a:solidFill>
-              <a:latin typeface="Helvetica" charset="0"/>
-              <a:ea typeface="Helvetica" charset="0"/>
-              <a:cs typeface="Helvetica" charset="0"/>
-            </a:endParaRPr>
-          </a:p>
-        </p:txBody>
-      </p:sp>
-      <p:graphicFrame>
-        <p:nvGraphicFramePr>
-          <p:cNvPr id="2" name="Tabelle 1"/>
-          <p:cNvGraphicFramePr>
-            <a:graphicFrameLocks noGrp="1"/>
-          </p:cNvGraphicFramePr>
-          <p:nvPr>
-            <p:extLst>
-              <p:ext uri="{D42A27DB-BD31-4B8C-83A1-F6EECF244321}">
-                <p14:modId xmlns:p14="http://schemas.microsoft.com/office/powerpoint/2010/main" val="924368173"/>
-              </p:ext>
-            </p:extLst>
-          </p:nvPr>
-        </p:nvGraphicFramePr>
-        <p:xfrm>
-          <a:off x="1905001" y="1212725"/>
-          <a:ext cx="8128000" cy="4424680"/>
-        </p:xfrm>
-        <a:graphic>
-          <a:graphicData uri="http://schemas.openxmlformats.org/drawingml/2006/table">
-            <a:tbl>
-              <a:tblPr firstRow="1" bandRow="1">
-                <a:tableStyleId>{8EC20E35-A176-4012-BC5E-935CFFF8708E}</a:tableStyleId>
-              </a:tblPr>
-              <a:tblGrid>
-                <a:gridCol w="2032000"/>
-                <a:gridCol w="2032000"/>
-                <a:gridCol w="2032000"/>
-                <a:gridCol w="2032000"/>
-              </a:tblGrid>
-              <a:tr h="370840">
-                <a:tc>
-                  <a:txBody>
-                    <a:bodyPr/>
-                    <a:lstStyle/>
-                    <a:p>
-                      <a:endParaRPr lang="en-GB" dirty="0"/>
-                    </a:p>
-                  </a:txBody>
-                  <a:tcPr>
-                    <a:lnL>
-                      <a:noFill/>
-                    </a:lnL>
-                    <a:lnR>
-                      <a:noFill/>
-                    </a:lnR>
-                    <a:lnT w="25400" cmpd="sng">
-                      <a:noFill/>
-                    </a:lnT>
-                    <a:lnB w="25400" cmpd="sng">
-                      <a:noFill/>
-                    </a:lnB>
-                    <a:lnTlToBr w="12700" cmpd="sng">
-                      <a:noFill/>
-                      <a:prstDash val="solid"/>
-                    </a:lnTlToBr>
-                    <a:lnBlToTr w="12700" cmpd="sng">
-                      <a:noFill/>
-                      <a:prstDash val="solid"/>
-                    </a:lnBlToTr>
-                    <a:noFill/>
-                  </a:tcPr>
-                </a:tc>
-                <a:tc>
-                  <a:txBody>
-                    <a:bodyPr/>
-                    <a:lstStyle/>
-                    <a:p>
-                      <a:pPr algn="ctr"/>
-                      <a:r>
-                        <a:rPr lang="en-GB" dirty="0" smtClean="0">
-                          <a:latin typeface="Helvetica" charset="0"/>
-                          <a:ea typeface="Helvetica" charset="0"/>
-                          <a:cs typeface="Helvetica" charset="0"/>
-                        </a:rPr>
-                        <a:t>0</a:t>
-                      </a:r>
-                      <a:r>
-                        <a:rPr lang="en-GB" baseline="0" dirty="0" smtClean="0">
-                          <a:latin typeface="Helvetica" charset="0"/>
-                          <a:ea typeface="Helvetica" charset="0"/>
-                          <a:cs typeface="Helvetica" charset="0"/>
-                        </a:rPr>
-                        <a:t> </a:t>
-                      </a:r>
-                      <a:r>
-                        <a:rPr lang="mr-IN" baseline="0" dirty="0" smtClean="0">
-                          <a:latin typeface="Helvetica" charset="0"/>
-                          <a:ea typeface="Helvetica" charset="0"/>
-                          <a:cs typeface="Helvetica" charset="0"/>
-                        </a:rPr>
-                        <a:t>–</a:t>
-                      </a:r>
-                      <a:r>
-                        <a:rPr lang="en-GB" baseline="0" dirty="0" smtClean="0">
-                          <a:latin typeface="Helvetica" charset="0"/>
-                          <a:ea typeface="Helvetica" charset="0"/>
-                          <a:cs typeface="Helvetica" charset="0"/>
-                        </a:rPr>
-                        <a:t> 6 AM</a:t>
-                      </a:r>
-                      <a:endParaRPr lang="en-GB" dirty="0">
-                        <a:latin typeface="Helvetica" charset="0"/>
-                        <a:ea typeface="Helvetica" charset="0"/>
-                        <a:cs typeface="Helvetica" charset="0"/>
-                      </a:endParaRPr>
-                    </a:p>
-                  </a:txBody>
-                  <a:tcPr>
-                    <a:lnL>
-                      <a:noFill/>
-                    </a:lnL>
-                    <a:lnR>
-                      <a:noFill/>
-                    </a:lnR>
-                    <a:lnT w="25400" cmpd="sng">
-                      <a:noFill/>
-                    </a:lnT>
-                    <a:lnB w="25400" cmpd="sng">
-                      <a:noFill/>
-                    </a:lnB>
-                    <a:lnTlToBr w="12700" cmpd="sng">
-                      <a:noFill/>
-                      <a:prstDash val="solid"/>
-                    </a:lnTlToBr>
-                    <a:lnBlToTr w="12700" cmpd="sng">
-                      <a:noFill/>
-                      <a:prstDash val="solid"/>
-                    </a:lnBlToTr>
-                    <a:noFill/>
-                  </a:tcPr>
-                </a:tc>
-                <a:tc>
-                  <a:txBody>
-                    <a:bodyPr/>
-                    <a:lstStyle/>
-                    <a:p>
-                      <a:pPr algn="ctr"/>
-                      <a:r>
-                        <a:rPr lang="en-GB" dirty="0" smtClean="0">
-                          <a:latin typeface="Helvetica" charset="0"/>
-                          <a:ea typeface="Helvetica" charset="0"/>
-                          <a:cs typeface="Helvetica" charset="0"/>
-                        </a:rPr>
-                        <a:t>6 AM </a:t>
-                      </a:r>
-                      <a:r>
-                        <a:rPr lang="mr-IN" dirty="0" smtClean="0">
-                          <a:latin typeface="Helvetica" charset="0"/>
-                          <a:ea typeface="Helvetica" charset="0"/>
-                          <a:cs typeface="Helvetica" charset="0"/>
-                        </a:rPr>
-                        <a:t>–</a:t>
-                      </a:r>
-                      <a:r>
-                        <a:rPr lang="en-GB" dirty="0" smtClean="0">
-                          <a:latin typeface="Helvetica" charset="0"/>
-                          <a:ea typeface="Helvetica" charset="0"/>
-                          <a:cs typeface="Helvetica" charset="0"/>
-                        </a:rPr>
-                        <a:t> 6 PM</a:t>
-                      </a:r>
-                      <a:endParaRPr lang="en-GB" dirty="0">
-                        <a:latin typeface="Helvetica" charset="0"/>
-                        <a:ea typeface="Helvetica" charset="0"/>
-                        <a:cs typeface="Helvetica" charset="0"/>
-                      </a:endParaRPr>
-                    </a:p>
-                  </a:txBody>
-                  <a:tcPr>
-                    <a:lnL>
-                      <a:noFill/>
-                    </a:lnL>
-                    <a:lnR>
-                      <a:noFill/>
-                    </a:lnR>
-                    <a:lnT w="25400" cmpd="sng">
-                      <a:noFill/>
-                    </a:lnT>
-                    <a:lnB w="25400" cmpd="sng">
-                      <a:noFill/>
-                    </a:lnB>
-                    <a:lnTlToBr w="12700" cmpd="sng">
-                      <a:noFill/>
-                      <a:prstDash val="solid"/>
-                    </a:lnTlToBr>
-                    <a:lnBlToTr w="12700" cmpd="sng">
-                      <a:noFill/>
-                      <a:prstDash val="solid"/>
-                    </a:lnBlToTr>
-                    <a:noFill/>
-                  </a:tcPr>
-                </a:tc>
-                <a:tc>
-                  <a:txBody>
-                    <a:bodyPr/>
-                    <a:lstStyle/>
-                    <a:p>
-                      <a:pPr algn="ctr"/>
-                      <a:r>
-                        <a:rPr lang="en-GB" dirty="0" smtClean="0">
-                          <a:latin typeface="Helvetica" charset="0"/>
-                          <a:ea typeface="Helvetica" charset="0"/>
-                          <a:cs typeface="Helvetica" charset="0"/>
-                        </a:rPr>
-                        <a:t>6 </a:t>
-                      </a:r>
-                      <a:r>
-                        <a:rPr lang="mr-IN" dirty="0" smtClean="0">
-                          <a:latin typeface="Helvetica" charset="0"/>
-                          <a:ea typeface="Helvetica" charset="0"/>
-                          <a:cs typeface="Helvetica" charset="0"/>
-                        </a:rPr>
-                        <a:t>–</a:t>
-                      </a:r>
-                      <a:r>
-                        <a:rPr lang="en-GB" dirty="0" smtClean="0">
-                          <a:latin typeface="Helvetica" charset="0"/>
-                          <a:ea typeface="Helvetica" charset="0"/>
-                          <a:cs typeface="Helvetica" charset="0"/>
-                        </a:rPr>
-                        <a:t> 12 PM</a:t>
-                      </a:r>
-                      <a:endParaRPr lang="en-GB" dirty="0">
-                        <a:latin typeface="Helvetica" charset="0"/>
-                        <a:ea typeface="Helvetica" charset="0"/>
-                        <a:cs typeface="Helvetica" charset="0"/>
-                      </a:endParaRPr>
-                    </a:p>
-                  </a:txBody>
-                  <a:tcPr>
-                    <a:lnL>
-                      <a:noFill/>
-                    </a:lnL>
-                    <a:lnR>
-                      <a:noFill/>
-                    </a:lnR>
-                    <a:lnT w="25400" cmpd="sng">
-                      <a:noFill/>
-                    </a:lnT>
-                    <a:lnB w="25400" cmpd="sng">
-                      <a:noFill/>
-                    </a:lnB>
-                    <a:lnTlToBr w="12700" cmpd="sng">
-                      <a:noFill/>
-                      <a:prstDash val="solid"/>
-                    </a:lnTlToBr>
-                    <a:lnBlToTr w="12700" cmpd="sng">
-                      <a:noFill/>
-                      <a:prstDash val="solid"/>
-                    </a:lnBlToTr>
-                    <a:noFill/>
-                  </a:tcPr>
-                </a:tc>
-              </a:tr>
-              <a:tr h="370840">
-                <a:tc>
-                  <a:txBody>
-                    <a:bodyPr/>
-                    <a:lstStyle/>
-                    <a:p>
-                      <a:r>
-                        <a:rPr lang="en-GB" dirty="0" smtClean="0">
-                          <a:solidFill>
-                            <a:schemeClr val="tx1"/>
-                          </a:solidFill>
-                          <a:latin typeface="Helvetica" charset="0"/>
-                          <a:ea typeface="Helvetica" charset="0"/>
-                          <a:cs typeface="Helvetica" charset="0"/>
-                        </a:rPr>
-                        <a:t>Mo</a:t>
-                      </a:r>
-                      <a:r>
-                        <a:rPr lang="en-GB" baseline="0" dirty="0" smtClean="0">
-                          <a:solidFill>
-                            <a:schemeClr val="tx1"/>
-                          </a:solidFill>
-                          <a:latin typeface="Helvetica" charset="0"/>
-                          <a:ea typeface="Helvetica" charset="0"/>
-                          <a:cs typeface="Helvetica" charset="0"/>
-                        </a:rPr>
-                        <a:t>nday</a:t>
-                      </a:r>
-                      <a:endParaRPr lang="en-GB" dirty="0">
-                        <a:solidFill>
-                          <a:schemeClr val="tx1"/>
-                        </a:solidFill>
-                        <a:latin typeface="Helvetica" charset="0"/>
-                        <a:ea typeface="Helvetica" charset="0"/>
-                        <a:cs typeface="Helvetica" charset="0"/>
-                      </a:endParaRPr>
-                    </a:p>
-                  </a:txBody>
-                  <a:tcPr>
-                    <a:lnT w="25400" cmpd="sng">
-                      <a:noFill/>
-                    </a:lnT>
-                    <a:noFill/>
-                  </a:tcPr>
-                </a:tc>
-                <a:tc>
-                  <a:txBody>
-                    <a:bodyPr/>
-                    <a:lstStyle/>
-                    <a:p>
-                      <a:pPr algn="ctr"/>
-                      <a:r>
-                        <a:rPr lang="en-GB" sz="3200" dirty="0" smtClean="0"/>
-                        <a:t>🍺</a:t>
-                      </a:r>
-                      <a:endParaRPr lang="en-GB" sz="3200" dirty="0"/>
-                    </a:p>
-                  </a:txBody>
-                  <a:tcPr>
-                    <a:lnT w="25400" cmpd="sng">
-                      <a:noFill/>
-                    </a:lnT>
-                    <a:solidFill>
-                      <a:schemeClr val="accent1"/>
-                    </a:solidFill>
-                  </a:tcPr>
-                </a:tc>
-                <a:tc>
-                  <a:txBody>
-                    <a:bodyPr/>
-                    <a:lstStyle/>
-                    <a:p>
-                      <a:pPr algn="ctr"/>
-                      <a:r>
-                        <a:rPr lang="en-GB" sz="3200" dirty="0" smtClean="0"/>
-                        <a:t>🎓</a:t>
-                      </a:r>
-                      <a:endParaRPr lang="en-GB" sz="3200" dirty="0"/>
-                    </a:p>
-                  </a:txBody>
-                  <a:tcPr>
-                    <a:lnT w="25400" cmpd="sng">
-                      <a:noFill/>
-                    </a:lnT>
-                  </a:tcPr>
-                </a:tc>
-                <a:tc>
-                  <a:txBody>
-                    <a:bodyPr/>
-                    <a:lstStyle/>
-                    <a:p>
-                      <a:pPr algn="ctr"/>
-                      <a:r>
-                        <a:rPr lang="en-GB" sz="3200" dirty="0" smtClean="0"/>
-                        <a:t>🍺</a:t>
-                      </a:r>
-                      <a:endParaRPr lang="en-GB" sz="3200" dirty="0"/>
-                    </a:p>
-                  </a:txBody>
-                  <a:tcPr>
-                    <a:lnT w="25400" cmpd="sng">
-                      <a:noFill/>
-                    </a:lnT>
-                    <a:solidFill>
-                      <a:schemeClr val="accent1"/>
-                    </a:solidFill>
-                  </a:tcPr>
-                </a:tc>
-              </a:tr>
-              <a:tr h="370840">
-                <a:tc>
-                  <a:txBody>
-                    <a:bodyPr/>
-                    <a:lstStyle/>
-                    <a:p>
-                      <a:r>
-                        <a:rPr lang="en-GB" dirty="0" smtClean="0">
-                          <a:solidFill>
-                            <a:schemeClr val="tx1"/>
-                          </a:solidFill>
-                          <a:latin typeface="Helvetica" charset="0"/>
-                          <a:ea typeface="Helvetica" charset="0"/>
-                          <a:cs typeface="Helvetica" charset="0"/>
-                        </a:rPr>
-                        <a:t>Tuesday</a:t>
-                      </a:r>
-                      <a:endParaRPr lang="en-GB" dirty="0">
-                        <a:solidFill>
-                          <a:schemeClr val="tx1"/>
-                        </a:solidFill>
-                        <a:latin typeface="Helvetica" charset="0"/>
-                        <a:ea typeface="Helvetica" charset="0"/>
-                        <a:cs typeface="Helvetica" charset="0"/>
-                      </a:endParaRPr>
-                    </a:p>
-                  </a:txBody>
-                  <a:tcPr>
-                    <a:noFill/>
-                  </a:tcPr>
-                </a:tc>
-                <a:tc>
-                  <a:txBody>
-                    <a:bodyPr/>
-                    <a:lstStyle/>
-                    <a:p>
-                      <a:pPr algn="ctr"/>
-                      <a:r>
-                        <a:rPr lang="en-GB" sz="3200" dirty="0" smtClean="0"/>
-                        <a:t>🍺</a:t>
-                      </a:r>
-                      <a:endParaRPr lang="en-GB" sz="3200" dirty="0"/>
-                    </a:p>
-                  </a:txBody>
-                  <a:tcPr>
-                    <a:solidFill>
-                      <a:schemeClr val="accent1"/>
-                    </a:solidFill>
-                  </a:tcPr>
-                </a:tc>
-                <a:tc>
-                  <a:txBody>
-                    <a:bodyPr/>
-                    <a:lstStyle/>
-                    <a:p>
-                      <a:pPr algn="ctr"/>
-                      <a:r>
-                        <a:rPr lang="en-GB" sz="3200" dirty="0" smtClean="0"/>
-                        <a:t>🎓</a:t>
-                      </a:r>
-                      <a:endParaRPr lang="en-GB" sz="3200" dirty="0"/>
-                    </a:p>
-                  </a:txBody>
-                  <a:tcPr/>
-                </a:tc>
-                <a:tc>
-                  <a:txBody>
-                    <a:bodyPr/>
-                    <a:lstStyle/>
-                    <a:p>
-                      <a:pPr algn="ctr"/>
-                      <a:r>
-                        <a:rPr lang="en-GB" sz="3200" dirty="0" smtClean="0"/>
-                        <a:t>🍺</a:t>
-                      </a:r>
-                      <a:endParaRPr lang="en-GB" sz="3200" dirty="0"/>
-                    </a:p>
-                  </a:txBody>
-                  <a:tcPr>
-                    <a:solidFill>
-                      <a:schemeClr val="accent1"/>
-                    </a:solidFill>
-                  </a:tcPr>
-                </a:tc>
-              </a:tr>
-              <a:tr h="370840">
-                <a:tc>
-                  <a:txBody>
-                    <a:bodyPr/>
-                    <a:lstStyle/>
-                    <a:p>
-                      <a:r>
-                        <a:rPr lang="en-GB" dirty="0" smtClean="0">
-                          <a:solidFill>
-                            <a:schemeClr val="tx1"/>
-                          </a:solidFill>
-                          <a:latin typeface="Helvetica" charset="0"/>
-                          <a:ea typeface="Helvetica" charset="0"/>
-                          <a:cs typeface="Helvetica" charset="0"/>
-                        </a:rPr>
-                        <a:t>Wednesday</a:t>
-                      </a:r>
-                      <a:endParaRPr lang="en-GB" dirty="0">
-                        <a:solidFill>
-                          <a:schemeClr val="tx1"/>
-                        </a:solidFill>
-                        <a:latin typeface="Helvetica" charset="0"/>
-                        <a:ea typeface="Helvetica" charset="0"/>
-                        <a:cs typeface="Helvetica" charset="0"/>
-                      </a:endParaRPr>
-                    </a:p>
-                  </a:txBody>
-                  <a:tcPr>
-                    <a:noFill/>
-                  </a:tcPr>
-                </a:tc>
-                <a:tc>
-                  <a:txBody>
-                    <a:bodyPr/>
-                    <a:lstStyle/>
-                    <a:p>
-                      <a:pPr algn="ctr"/>
-                      <a:r>
-                        <a:rPr lang="en-GB" sz="3200" dirty="0" smtClean="0"/>
-                        <a:t>🍺</a:t>
-                      </a:r>
-                      <a:endParaRPr lang="en-GB" sz="3200" dirty="0"/>
-                    </a:p>
-                  </a:txBody>
-                  <a:tcPr>
-                    <a:solidFill>
-                      <a:schemeClr val="accent1"/>
-                    </a:solidFill>
-                  </a:tcPr>
-                </a:tc>
-                <a:tc>
-                  <a:txBody>
-                    <a:bodyPr/>
-                    <a:lstStyle/>
-                    <a:p>
-                      <a:pPr algn="ctr"/>
-                      <a:r>
-                        <a:rPr lang="en-GB" sz="3200" dirty="0" smtClean="0"/>
-                        <a:t>🎓</a:t>
-                      </a:r>
-                      <a:endParaRPr lang="en-GB" sz="3200" dirty="0"/>
-                    </a:p>
-                  </a:txBody>
-                  <a:tcPr/>
-                </a:tc>
-                <a:tc>
-                  <a:txBody>
-                    <a:bodyPr/>
-                    <a:lstStyle/>
-                    <a:p>
-                      <a:pPr algn="ctr"/>
-                      <a:r>
-                        <a:rPr lang="en-GB" sz="3200" dirty="0" smtClean="0"/>
-                        <a:t>🍺</a:t>
-                      </a:r>
-                      <a:endParaRPr lang="en-GB" sz="3200" dirty="0"/>
-                    </a:p>
-                  </a:txBody>
-                  <a:tcPr>
-                    <a:solidFill>
-                      <a:schemeClr val="accent1"/>
-                    </a:solidFill>
-                  </a:tcPr>
-                </a:tc>
-              </a:tr>
-              <a:tr h="370840">
-                <a:tc>
-                  <a:txBody>
-                    <a:bodyPr/>
-                    <a:lstStyle/>
-                    <a:p>
-                      <a:r>
-                        <a:rPr lang="en-GB" dirty="0" smtClean="0">
-                          <a:solidFill>
-                            <a:schemeClr val="tx1"/>
-                          </a:solidFill>
-                          <a:latin typeface="Helvetica" charset="0"/>
-                          <a:ea typeface="Helvetica" charset="0"/>
-                          <a:cs typeface="Helvetica" charset="0"/>
-                        </a:rPr>
-                        <a:t>Thursday</a:t>
-                      </a:r>
-                      <a:endParaRPr lang="en-GB" dirty="0">
-                        <a:solidFill>
-                          <a:schemeClr val="tx1"/>
-                        </a:solidFill>
-                        <a:latin typeface="Helvetica" charset="0"/>
-                        <a:ea typeface="Helvetica" charset="0"/>
-                        <a:cs typeface="Helvetica" charset="0"/>
-                      </a:endParaRPr>
-                    </a:p>
-                  </a:txBody>
-                  <a:tcPr>
-                    <a:noFill/>
-                  </a:tcPr>
-                </a:tc>
-                <a:tc>
-                  <a:txBody>
-                    <a:bodyPr/>
-                    <a:lstStyle/>
-                    <a:p>
-                      <a:pPr algn="ctr"/>
-                      <a:r>
-                        <a:rPr lang="en-GB" sz="3200" dirty="0" smtClean="0"/>
-                        <a:t>🍺</a:t>
-                      </a:r>
-                      <a:endParaRPr lang="en-GB" sz="3200" dirty="0"/>
-                    </a:p>
-                  </a:txBody>
-                  <a:tcPr>
-                    <a:solidFill>
-                      <a:schemeClr val="accent1"/>
-                    </a:solidFill>
-                  </a:tcPr>
-                </a:tc>
-                <a:tc>
-                  <a:txBody>
-                    <a:bodyPr/>
-                    <a:lstStyle/>
-                    <a:p>
-                      <a:pPr algn="ctr"/>
-                      <a:r>
-                        <a:rPr lang="en-GB" sz="3200" dirty="0" smtClean="0"/>
-                        <a:t>🎓</a:t>
-                      </a:r>
-                      <a:endParaRPr lang="en-GB" sz="3200" dirty="0"/>
-                    </a:p>
-                  </a:txBody>
-                  <a:tcPr/>
-                </a:tc>
-                <a:tc>
-                  <a:txBody>
-                    <a:bodyPr/>
-                    <a:lstStyle/>
-                    <a:p>
-                      <a:pPr algn="ctr"/>
-                      <a:r>
-                        <a:rPr lang="en-GB" sz="3200" dirty="0" smtClean="0"/>
-                        <a:t>🍺</a:t>
-                      </a:r>
-                      <a:endParaRPr lang="en-GB" sz="3200" dirty="0"/>
-                    </a:p>
-                  </a:txBody>
-                  <a:tcPr>
-                    <a:solidFill>
-                      <a:schemeClr val="accent1"/>
-                    </a:solidFill>
-                  </a:tcPr>
-                </a:tc>
-              </a:tr>
-              <a:tr h="370840">
-                <a:tc>
-                  <a:txBody>
-                    <a:bodyPr/>
-                    <a:lstStyle/>
-                    <a:p>
-                      <a:r>
-                        <a:rPr lang="en-GB" dirty="0" smtClean="0">
-                          <a:solidFill>
-                            <a:schemeClr val="tx1"/>
-                          </a:solidFill>
-                          <a:latin typeface="Helvetica" charset="0"/>
-                          <a:ea typeface="Helvetica" charset="0"/>
-                          <a:cs typeface="Helvetica" charset="0"/>
-                        </a:rPr>
-                        <a:t>Friday</a:t>
-                      </a:r>
-                      <a:endParaRPr lang="en-GB" dirty="0">
-                        <a:solidFill>
-                          <a:schemeClr val="tx1"/>
-                        </a:solidFill>
-                        <a:latin typeface="Helvetica" charset="0"/>
-                        <a:ea typeface="Helvetica" charset="0"/>
-                        <a:cs typeface="Helvetica" charset="0"/>
-                      </a:endParaRPr>
-                    </a:p>
-                  </a:txBody>
-                  <a:tcPr>
-                    <a:noFill/>
-                  </a:tcPr>
-                </a:tc>
-                <a:tc>
-                  <a:txBody>
-                    <a:bodyPr/>
-                    <a:lstStyle/>
-                    <a:p>
-                      <a:pPr algn="ctr"/>
-                      <a:r>
-                        <a:rPr lang="en-GB" sz="3200" dirty="0" smtClean="0"/>
-                        <a:t>🍺</a:t>
-                      </a:r>
-                      <a:endParaRPr lang="en-GB" sz="3200" dirty="0"/>
-                    </a:p>
-                  </a:txBody>
-                  <a:tcPr>
-                    <a:solidFill>
-                      <a:schemeClr val="accent1"/>
-                    </a:solidFill>
-                  </a:tcPr>
-                </a:tc>
-                <a:tc>
-                  <a:txBody>
-                    <a:bodyPr/>
-                    <a:lstStyle/>
-                    <a:p>
-                      <a:pPr algn="ctr"/>
-                      <a:r>
-                        <a:rPr lang="en-GB" sz="3200" dirty="0" smtClean="0"/>
-                        <a:t>🎓</a:t>
-                      </a:r>
-                      <a:endParaRPr lang="en-GB" sz="3200" dirty="0"/>
-                    </a:p>
-                  </a:txBody>
-                  <a:tcPr/>
-                </a:tc>
-                <a:tc>
-                  <a:txBody>
-                    <a:bodyPr/>
-                    <a:lstStyle/>
-                    <a:p>
-                      <a:pPr algn="ctr"/>
-                      <a:r>
-                        <a:rPr lang="en-GB" sz="3200" dirty="0" smtClean="0"/>
-                        <a:t>🍺</a:t>
-                      </a:r>
-                      <a:endParaRPr lang="en-GB" sz="3200" dirty="0"/>
-                    </a:p>
-                  </a:txBody>
-                  <a:tcPr>
-                    <a:solidFill>
-                      <a:schemeClr val="accent1"/>
-                    </a:solidFill>
-                  </a:tcPr>
-                </a:tc>
-              </a:tr>
-              <a:tr h="370840">
-                <a:tc>
-                  <a:txBody>
-                    <a:bodyPr/>
-                    <a:lstStyle/>
-                    <a:p>
-                      <a:r>
-                        <a:rPr lang="en-GB" dirty="0" smtClean="0">
-                          <a:solidFill>
-                            <a:schemeClr val="tx1"/>
-                          </a:solidFill>
-                          <a:latin typeface="Helvetica" charset="0"/>
-                          <a:ea typeface="Helvetica" charset="0"/>
-                          <a:cs typeface="Helvetica" charset="0"/>
-                        </a:rPr>
-                        <a:t>Saturday</a:t>
-                      </a:r>
-                      <a:endParaRPr lang="en-GB" dirty="0">
-                        <a:solidFill>
-                          <a:schemeClr val="tx1"/>
-                        </a:solidFill>
-                        <a:latin typeface="Helvetica" charset="0"/>
-                        <a:ea typeface="Helvetica" charset="0"/>
-                        <a:cs typeface="Helvetica" charset="0"/>
-                      </a:endParaRPr>
-                    </a:p>
-                  </a:txBody>
-                  <a:tcPr>
-                    <a:lnB>
-                      <a:noFill/>
-                    </a:lnB>
-                    <a:noFill/>
-                  </a:tcPr>
-                </a:tc>
-                <a:tc>
-                  <a:txBody>
-                    <a:bodyPr/>
-                    <a:lstStyle/>
-                    <a:p>
-                      <a:pPr algn="ctr"/>
-                      <a:r>
-                        <a:rPr lang="en-GB" sz="3200" dirty="0" smtClean="0"/>
-                        <a:t>🍺</a:t>
-                      </a:r>
-                      <a:endParaRPr lang="en-GB" sz="3200" dirty="0"/>
-                    </a:p>
-                  </a:txBody>
-                  <a:tcPr>
-                    <a:lnB>
-                      <a:noFill/>
-                    </a:lnB>
-                    <a:solidFill>
-                      <a:schemeClr val="accent1"/>
-                    </a:solidFill>
-                  </a:tcPr>
-                </a:tc>
-                <a:tc>
-                  <a:txBody>
-                    <a:bodyPr/>
-                    <a:lstStyle/>
-                    <a:p>
-                      <a:pPr algn="ctr"/>
-                      <a:r>
-                        <a:rPr lang="en-GB" sz="3200" dirty="0" smtClean="0"/>
-                        <a:t>🍺</a:t>
-                      </a:r>
-                      <a:endParaRPr lang="en-GB" sz="3200" dirty="0"/>
-                    </a:p>
-                  </a:txBody>
-                  <a:tcPr>
-                    <a:lnB>
-                      <a:noFill/>
-                    </a:lnB>
-                    <a:solidFill>
-                      <a:schemeClr val="accent1"/>
-                    </a:solidFill>
-                  </a:tcPr>
-                </a:tc>
-                <a:tc>
-                  <a:txBody>
-                    <a:bodyPr/>
-                    <a:lstStyle/>
-                    <a:p>
-                      <a:pPr algn="ctr"/>
-                      <a:r>
-                        <a:rPr lang="en-GB" sz="3200" dirty="0" smtClean="0"/>
-                        <a:t>🍺</a:t>
-                      </a:r>
-                      <a:endParaRPr lang="en-GB" sz="3200" dirty="0"/>
-                    </a:p>
-                  </a:txBody>
-                  <a:tcPr>
-                    <a:lnB>
-                      <a:noFill/>
-                    </a:lnB>
-                    <a:solidFill>
-                      <a:schemeClr val="accent1"/>
-                    </a:solidFill>
-                  </a:tcPr>
-                </a:tc>
-              </a:tr>
-              <a:tr h="370840">
-                <a:tc>
-                  <a:txBody>
-                    <a:bodyPr/>
-                    <a:lstStyle/>
-                    <a:p>
-                      <a:r>
-                        <a:rPr lang="en-GB" dirty="0" smtClean="0">
-                          <a:solidFill>
-                            <a:schemeClr val="tx1"/>
-                          </a:solidFill>
-                          <a:latin typeface="Helvetica" charset="0"/>
-                          <a:ea typeface="Helvetica" charset="0"/>
-                          <a:cs typeface="Helvetica" charset="0"/>
-                        </a:rPr>
-                        <a:t>Sunday</a:t>
-                      </a:r>
-                      <a:endParaRPr lang="en-GB" dirty="0">
-                        <a:solidFill>
-                          <a:schemeClr val="tx1"/>
-                        </a:solidFill>
-                        <a:latin typeface="Helvetica" charset="0"/>
-                        <a:ea typeface="Helvetica" charset="0"/>
-                        <a:cs typeface="Helvetica" charset="0"/>
-                      </a:endParaRPr>
-                    </a:p>
-                  </a:txBody>
-                  <a:tcPr>
-                    <a:lnL>
-                      <a:noFill/>
-                    </a:lnL>
-                    <a:lnR>
-                      <a:noFill/>
-                    </a:lnR>
-                    <a:lnT>
-                      <a:noFill/>
-                    </a:lnT>
-                    <a:lnB w="25400" cmpd="sng">
-                      <a:noFill/>
-                    </a:lnB>
-                    <a:lnTlToBr w="12700" cmpd="sng">
-                      <a:noFill/>
-                      <a:prstDash val="solid"/>
-                    </a:lnTlToBr>
-                    <a:lnBlToTr w="12700" cmpd="sng">
-                      <a:noFill/>
-                      <a:prstDash val="solid"/>
-                    </a:lnBlToTr>
-                    <a:noFill/>
-                  </a:tcPr>
-                </a:tc>
-                <a:tc>
-                  <a:txBody>
-                    <a:bodyPr/>
-                    <a:lstStyle/>
-                    <a:p>
-                      <a:pPr algn="ctr"/>
-                      <a:r>
-                        <a:rPr lang="en-GB" sz="3200" dirty="0" smtClean="0"/>
-                        <a:t>🍺</a:t>
-                      </a:r>
-                      <a:endParaRPr lang="en-GB" sz="3200" dirty="0"/>
-                    </a:p>
-                  </a:txBody>
-                  <a:tcPr>
-                    <a:lnL>
-                      <a:noFill/>
-                    </a:lnL>
-                    <a:lnR>
-                      <a:noFill/>
-                    </a:lnR>
-                    <a:lnT>
-                      <a:noFill/>
-                    </a:lnT>
-                    <a:lnB w="25400" cmpd="sng">
-                      <a:noFill/>
-                    </a:lnB>
-                    <a:lnTlToBr w="12700" cmpd="sng">
-                      <a:noFill/>
-                      <a:prstDash val="solid"/>
-                    </a:lnTlToBr>
-                    <a:lnBlToTr w="12700" cmpd="sng">
-                      <a:noFill/>
-                      <a:prstDash val="solid"/>
-                    </a:lnBlToTr>
-                    <a:solidFill>
-                      <a:schemeClr val="accent1"/>
-                    </a:solidFill>
-                  </a:tcPr>
-                </a:tc>
-                <a:tc>
-                  <a:txBody>
-                    <a:bodyPr/>
-                    <a:lstStyle/>
-                    <a:p>
-                      <a:pPr algn="ctr"/>
-                      <a:r>
-                        <a:rPr lang="en-GB" sz="3200" dirty="0" smtClean="0"/>
-                        <a:t>🍺</a:t>
-                      </a:r>
-                      <a:endParaRPr lang="en-GB" sz="3200" dirty="0"/>
-                    </a:p>
-                  </a:txBody>
-                  <a:tcPr>
-                    <a:lnL>
-                      <a:noFill/>
-                    </a:lnL>
-                    <a:lnR>
-                      <a:noFill/>
-                    </a:lnR>
-                    <a:lnT>
-                      <a:noFill/>
-                    </a:lnT>
-                    <a:lnB w="25400" cmpd="sng">
-                      <a:noFill/>
-                    </a:lnB>
-                    <a:lnTlToBr w="12700" cmpd="sng">
-                      <a:noFill/>
-                      <a:prstDash val="solid"/>
-                    </a:lnTlToBr>
-                    <a:lnBlToTr w="12700" cmpd="sng">
-                      <a:noFill/>
-                      <a:prstDash val="solid"/>
-                    </a:lnBlToTr>
-                    <a:solidFill>
-                      <a:schemeClr val="accent1"/>
-                    </a:solidFill>
-                  </a:tcPr>
-                </a:tc>
-                <a:tc>
-                  <a:txBody>
-                    <a:bodyPr/>
-                    <a:lstStyle/>
-                    <a:p>
-                      <a:pPr algn="ctr"/>
-                      <a:r>
-                        <a:rPr lang="en-GB" sz="3200" dirty="0" smtClean="0"/>
-                        <a:t>🍺</a:t>
-                      </a:r>
-                      <a:endParaRPr lang="en-GB" sz="3200" dirty="0"/>
-                    </a:p>
-                  </a:txBody>
-                  <a:tcPr>
-                    <a:lnL>
-                      <a:noFill/>
-                    </a:lnL>
-                    <a:lnR>
-                      <a:noFill/>
-                    </a:lnR>
-                    <a:lnT>
-                      <a:noFill/>
-                    </a:lnT>
-                    <a:lnB w="25400" cmpd="sng">
-                      <a:noFill/>
-                    </a:lnB>
-                    <a:lnTlToBr w="12700" cmpd="sng">
-                      <a:noFill/>
-                      <a:prstDash val="solid"/>
-                    </a:lnTlToBr>
-                    <a:lnBlToTr w="12700" cmpd="sng">
-                      <a:noFill/>
-                      <a:prstDash val="solid"/>
-                    </a:lnBlToTr>
-                    <a:solidFill>
-                      <a:schemeClr val="accent1"/>
-                    </a:solidFill>
-                  </a:tcPr>
-                </a:tc>
-              </a:tr>
-            </a:tbl>
-          </a:graphicData>
-        </a:graphic>
-      </p:graphicFrame>
+      </p:pic>
     </p:spTree>
     <p:extLst>
       <p:ext uri="{BB962C8B-B14F-4D97-AF65-F5344CB8AC3E}">
-        <p14:creationId xmlns:p14="http://schemas.microsoft.com/office/powerpoint/2010/main" val="1354914750"/>
+        <p14:creationId xmlns:p14="http://schemas.microsoft.com/office/powerpoint/2010/main" val="845465158"/>
       </p:ext>
     </p:extLst>
   </p:cSld>
   <p:clrMapOvr>
     <a:masterClrMapping/>
   </p:clrMapOvr>
-  <p:timing>
-    <p:tnLst>
-      <p:par>
-        <p:cTn id="1" dur="indefinite" restart="never" nodeType="tmRoot"/>
-      </p:par>
-    </p:tnLst>
-  </p:timing>
 </p:sld>
 </file>
 
@@ -10357,335 +7252,37 @@
       </p:grpSpPr>
       <p:sp>
         <p:nvSpPr>
-          <p:cNvPr id="10" name="Inhaltsplatzhalter 2"/>
-          <p:cNvSpPr txBox="1">
-            <a:spLocks/>
-          </p:cNvSpPr>
-          <p:nvPr/>
-        </p:nvSpPr>
-        <p:spPr>
-          <a:xfrm>
-            <a:off x="1443319" y="2218394"/>
-            <a:ext cx="923364" cy="506754"/>
-          </a:xfrm>
-          <a:prstGeom prst="rect">
-            <a:avLst/>
-          </a:prstGeom>
-        </p:spPr>
-        <p:txBody>
-          <a:bodyPr vert="horz" lIns="91440" tIns="45720" rIns="91440" bIns="45720" rtlCol="0" anchor="ctr">
-            <a:noAutofit/>
-          </a:bodyPr>
-          <a:lstStyle>
-            <a:lvl1pPr marL="285750" indent="-285750" algn="l" defTabSz="457200" rtl="0" eaLnBrk="1" latinLnBrk="0" hangingPunct="1">
-              <a:spcBef>
-                <a:spcPts val="0"/>
-              </a:spcBef>
-              <a:spcAft>
-                <a:spcPts val="1000"/>
-              </a:spcAft>
-              <a:buClr>
-                <a:schemeClr val="tx1"/>
-              </a:buClr>
-              <a:buSzPct val="100000"/>
-              <a:buFont typeface="Arial"/>
-              <a:buChar char="•"/>
-              <a:defRPr sz="1800" kern="1200" cap="none">
-                <a:solidFill>
-                  <a:schemeClr val="tx1"/>
-                </a:solidFill>
-                <a:effectLst/>
-                <a:latin typeface="+mn-lt"/>
-                <a:ea typeface="+mn-ea"/>
-                <a:cs typeface="+mn-cs"/>
-              </a:defRPr>
-            </a:lvl1pPr>
-            <a:lvl2pPr marL="742950" indent="-285750" algn="l" defTabSz="457200" rtl="0" eaLnBrk="1" latinLnBrk="0" hangingPunct="1">
-              <a:spcBef>
-                <a:spcPts val="0"/>
-              </a:spcBef>
-              <a:spcAft>
-                <a:spcPts val="1000"/>
-              </a:spcAft>
-              <a:buClr>
-                <a:schemeClr val="tx1"/>
-              </a:buClr>
-              <a:buSzPct val="100000"/>
-              <a:buFont typeface="Arial"/>
-              <a:buChar char="•"/>
-              <a:defRPr sz="1600" kern="1200" cap="none">
-                <a:solidFill>
-                  <a:schemeClr val="tx1"/>
-                </a:solidFill>
-                <a:effectLst/>
-                <a:latin typeface="+mn-lt"/>
-                <a:ea typeface="+mn-ea"/>
-                <a:cs typeface="+mn-cs"/>
-              </a:defRPr>
-            </a:lvl2pPr>
-            <a:lvl3pPr marL="1200150" indent="-285750" algn="l" defTabSz="457200" rtl="0" eaLnBrk="1" latinLnBrk="0" hangingPunct="1">
-              <a:spcBef>
-                <a:spcPts val="0"/>
-              </a:spcBef>
-              <a:spcAft>
-                <a:spcPts val="1000"/>
-              </a:spcAft>
-              <a:buClr>
-                <a:schemeClr val="tx1"/>
-              </a:buClr>
-              <a:buSzPct val="100000"/>
-              <a:buFont typeface="Arial"/>
-              <a:buChar char="•"/>
-              <a:defRPr sz="1400" kern="1200" cap="none">
-                <a:solidFill>
-                  <a:schemeClr val="tx1"/>
-                </a:solidFill>
-                <a:effectLst/>
-                <a:latin typeface="+mn-lt"/>
-                <a:ea typeface="+mn-ea"/>
-                <a:cs typeface="+mn-cs"/>
-              </a:defRPr>
-            </a:lvl3pPr>
-            <a:lvl4pPr marL="1543050" indent="-171450" algn="l" defTabSz="457200" rtl="0" eaLnBrk="1" latinLnBrk="0" hangingPunct="1">
-              <a:spcBef>
-                <a:spcPts val="0"/>
-              </a:spcBef>
-              <a:spcAft>
-                <a:spcPts val="1000"/>
-              </a:spcAft>
-              <a:buClr>
-                <a:schemeClr val="tx1"/>
-              </a:buClr>
-              <a:buSzPct val="100000"/>
-              <a:buFont typeface="Arial"/>
-              <a:buChar char="•"/>
-              <a:defRPr sz="1200" kern="1200" cap="none">
-                <a:solidFill>
-                  <a:schemeClr val="tx1"/>
-                </a:solidFill>
-                <a:effectLst/>
-                <a:latin typeface="+mn-lt"/>
-                <a:ea typeface="+mn-ea"/>
-                <a:cs typeface="+mn-cs"/>
-              </a:defRPr>
-            </a:lvl4pPr>
-            <a:lvl5pPr marL="2000250" indent="-171450" algn="l" defTabSz="457200" rtl="0" eaLnBrk="1" latinLnBrk="0" hangingPunct="1">
-              <a:spcBef>
-                <a:spcPts val="0"/>
-              </a:spcBef>
-              <a:spcAft>
-                <a:spcPts val="1000"/>
-              </a:spcAft>
-              <a:buClr>
-                <a:schemeClr val="tx1"/>
-              </a:buClr>
-              <a:buSzPct val="100000"/>
-              <a:buFont typeface="Arial"/>
-              <a:buChar char="•"/>
-              <a:defRPr sz="1200" kern="1200" cap="none">
-                <a:solidFill>
-                  <a:schemeClr val="tx1"/>
-                </a:solidFill>
-                <a:effectLst/>
-                <a:latin typeface="+mn-lt"/>
-                <a:ea typeface="+mn-ea"/>
-                <a:cs typeface="+mn-cs"/>
-              </a:defRPr>
-            </a:lvl5pPr>
-            <a:lvl6pPr marL="2514600" indent="-228600" algn="l" defTabSz="457200" rtl="0" eaLnBrk="1" latinLnBrk="0" hangingPunct="1">
-              <a:spcBef>
-                <a:spcPts val="0"/>
-              </a:spcBef>
-              <a:spcAft>
-                <a:spcPts val="1000"/>
-              </a:spcAft>
-              <a:buClr>
-                <a:schemeClr val="tx1"/>
-              </a:buClr>
-              <a:buSzPct val="100000"/>
-              <a:buFont typeface="Arial"/>
-              <a:buChar char="•"/>
-              <a:defRPr sz="1200" kern="1200" cap="none">
-                <a:solidFill>
-                  <a:schemeClr val="tx1"/>
-                </a:solidFill>
-                <a:effectLst/>
-                <a:latin typeface="+mn-lt"/>
-                <a:ea typeface="+mn-ea"/>
-                <a:cs typeface="+mn-cs"/>
-              </a:defRPr>
-            </a:lvl6pPr>
-            <a:lvl7pPr marL="2971800" indent="-228600" algn="l" defTabSz="457200" rtl="0" eaLnBrk="1" latinLnBrk="0" hangingPunct="1">
-              <a:spcBef>
-                <a:spcPts val="0"/>
-              </a:spcBef>
-              <a:spcAft>
-                <a:spcPts val="1000"/>
-              </a:spcAft>
-              <a:buClr>
-                <a:schemeClr val="tx1"/>
-              </a:buClr>
-              <a:buSzPct val="100000"/>
-              <a:buFont typeface="Arial"/>
-              <a:buChar char="•"/>
-              <a:defRPr sz="1200" kern="1200" cap="none">
-                <a:solidFill>
-                  <a:schemeClr val="tx1"/>
-                </a:solidFill>
-                <a:effectLst/>
-                <a:latin typeface="+mn-lt"/>
-                <a:ea typeface="+mn-ea"/>
-                <a:cs typeface="+mn-cs"/>
-              </a:defRPr>
-            </a:lvl7pPr>
-            <a:lvl8pPr marL="3429000" indent="-228600" algn="l" defTabSz="457200" rtl="0" eaLnBrk="1" latinLnBrk="0" hangingPunct="1">
-              <a:spcBef>
-                <a:spcPts val="0"/>
-              </a:spcBef>
-              <a:spcAft>
-                <a:spcPts val="1000"/>
-              </a:spcAft>
-              <a:buClr>
-                <a:schemeClr val="tx1"/>
-              </a:buClr>
-              <a:buSzPct val="100000"/>
-              <a:buFont typeface="Arial"/>
-              <a:buChar char="•"/>
-              <a:defRPr sz="1200" kern="1200" cap="none">
-                <a:solidFill>
-                  <a:schemeClr val="tx1"/>
-                </a:solidFill>
-                <a:effectLst/>
-                <a:latin typeface="+mn-lt"/>
-                <a:ea typeface="+mn-ea"/>
-                <a:cs typeface="+mn-cs"/>
-              </a:defRPr>
-            </a:lvl8pPr>
-            <a:lvl9pPr marL="3886200" indent="-228600" algn="l" defTabSz="457200" rtl="0" eaLnBrk="1" latinLnBrk="0" hangingPunct="1">
-              <a:spcBef>
-                <a:spcPts val="0"/>
-              </a:spcBef>
-              <a:spcAft>
-                <a:spcPts val="1000"/>
-              </a:spcAft>
-              <a:buClr>
-                <a:schemeClr val="tx1"/>
-              </a:buClr>
-              <a:buSzPct val="100000"/>
-              <a:buFont typeface="Arial"/>
-              <a:buChar char="•"/>
-              <a:defRPr sz="1200" kern="1200" cap="none">
-                <a:solidFill>
-                  <a:schemeClr val="tx1"/>
-                </a:solidFill>
-                <a:effectLst/>
-                <a:latin typeface="+mn-lt"/>
-                <a:ea typeface="+mn-ea"/>
-                <a:cs typeface="+mn-cs"/>
-              </a:defRPr>
-            </a:lvl9pPr>
-          </a:lstStyle>
-          <a:p>
-            <a:pPr marL="0" indent="0">
-              <a:buFont typeface="Arial"/>
-              <a:buNone/>
-            </a:pPr>
-            <a:endParaRPr lang="de-DE" sz="8800" b="1" dirty="0">
-              <a:solidFill>
-                <a:srgbClr val="FF0000"/>
-              </a:solidFill>
-              <a:latin typeface="Helvetica" charset="0"/>
-              <a:ea typeface="Helvetica" charset="0"/>
-              <a:cs typeface="Helvetica" charset="0"/>
-            </a:endParaRPr>
-          </a:p>
-        </p:txBody>
-      </p:sp>
-      <p:pic>
-        <p:nvPicPr>
-          <p:cNvPr id="8" name="Bild 7"/>
-          <p:cNvPicPr>
-            <a:picLocks noChangeAspect="1"/>
-          </p:cNvPicPr>
-          <p:nvPr/>
-        </p:nvPicPr>
-        <p:blipFill>
-          <a:blip r:embed="rId2">
-            <a:extLst>
-              <a:ext uri="{BEBA8EAE-BF5A-486C-A8C5-ECC9F3942E4B}">
-                <a14:imgProps xmlns:a14="http://schemas.microsoft.com/office/drawing/2010/main">
-                  <a14:imgLayer r:embed="rId3">
-                    <a14:imgEffect>
-                      <a14:artisticBlur radius="3"/>
-                    </a14:imgEffect>
-                  </a14:imgLayer>
-                </a14:imgProps>
-              </a:ext>
-              <a:ext uri="{28A0092B-C50C-407E-A947-70E740481C1C}">
-                <a14:useLocalDpi xmlns:a14="http://schemas.microsoft.com/office/drawing/2010/main" val="0"/>
-              </a:ext>
-            </a:extLst>
-          </a:blip>
-          <a:stretch>
-            <a:fillRect/>
-          </a:stretch>
-        </p:blipFill>
-        <p:spPr>
-          <a:xfrm>
-            <a:off x="1079500" y="0"/>
-            <a:ext cx="10011189" cy="6858000"/>
-          </a:xfrm>
-          <a:prstGeom prst="rect">
-            <a:avLst/>
-          </a:prstGeom>
-        </p:spPr>
-      </p:pic>
-      <p:sp>
-        <p:nvSpPr>
-          <p:cNvPr id="3" name="Rechteck 2"/>
-          <p:cNvSpPr/>
-          <p:nvPr/>
-        </p:nvSpPr>
-        <p:spPr>
-          <a:xfrm>
-            <a:off x="9131689" y="6014428"/>
-            <a:ext cx="3517511" cy="769441"/>
-          </a:xfrm>
-          <a:prstGeom prst="rect">
-            <a:avLst/>
-          </a:prstGeom>
-        </p:spPr>
-        <p:txBody>
-          <a:bodyPr wrap="square">
-            <a:spAutoFit/>
-          </a:bodyPr>
+          <p:cNvPr id="2" name="Title 1"/>
+          <p:cNvSpPr>
+            <a:spLocks noGrp="1"/>
+          </p:cNvSpPr>
+          <p:nvPr>
+            <p:ph type="title"/>
+          </p:nvPr>
+        </p:nvSpPr>
+        <p:spPr/>
+        <p:txBody>
+          <a:bodyPr/>
           <a:lstStyle/>
           <a:p>
-            <a:pPr algn="ctr"/>
-            <a:r>
-              <a:rPr lang="en-GB" sz="4400" dirty="0" smtClean="0"/>
-              <a:t>🍺🍺🍺🍺</a:t>
-            </a:r>
+            <a:r>
+              <a:rPr lang="en-US" dirty="0" smtClean="0"/>
+              <a:t>THANK YOU</a:t>
+            </a:r>
+            <a:endParaRPr lang="en-US" dirty="0"/>
           </a:p>
         </p:txBody>
       </p:sp>
     </p:spTree>
     <p:extLst>
       <p:ext uri="{BB962C8B-B14F-4D97-AF65-F5344CB8AC3E}">
-        <p14:creationId xmlns:p14="http://schemas.microsoft.com/office/powerpoint/2010/main" val="959181213"/>
+        <p14:creationId xmlns:p14="http://schemas.microsoft.com/office/powerpoint/2010/main" val="231280869"/>
       </p:ext>
     </p:extLst>
   </p:cSld>
   <p:clrMapOvr>
     <a:masterClrMapping/>
   </p:clrMapOvr>
-  <p:timing>
-    <p:tnLst>
-      <p:par>
-        <p:cTn id="1" dur="indefinite" restart="never" nodeType="tmRoot"/>
-      </p:par>
-    </p:tnLst>
-  </p:timing>
 </p:sld>
 </file>
 
@@ -11197,4 +7794,265 @@
     </a:ext>
   </a:extLst>
 </a:theme>
+</file>
+
+<file path=ppt/theme/theme3.xml><?xml version="1.0" encoding="utf-8"?>
+<a:theme xmlns:a="http://schemas.openxmlformats.org/drawingml/2006/main" name="Office Theme">
+  <a:themeElements>
+    <a:clrScheme name="Office">
+      <a:dk1>
+        <a:sysClr val="windowText" lastClr="000000"/>
+      </a:dk1>
+      <a:lt1>
+        <a:sysClr val="window" lastClr="FFFFFF"/>
+      </a:lt1>
+      <a:dk2>
+        <a:srgbClr val="44546A"/>
+      </a:dk2>
+      <a:lt2>
+        <a:srgbClr val="E7E6E6"/>
+      </a:lt2>
+      <a:accent1>
+        <a:srgbClr val="5B9BD5"/>
+      </a:accent1>
+      <a:accent2>
+        <a:srgbClr val="ED7D31"/>
+      </a:accent2>
+      <a:accent3>
+        <a:srgbClr val="A5A5A5"/>
+      </a:accent3>
+      <a:accent4>
+        <a:srgbClr val="FFC000"/>
+      </a:accent4>
+      <a:accent5>
+        <a:srgbClr val="4472C4"/>
+      </a:accent5>
+      <a:accent6>
+        <a:srgbClr val="70AD47"/>
+      </a:accent6>
+      <a:hlink>
+        <a:srgbClr val="0563C1"/>
+      </a:hlink>
+      <a:folHlink>
+        <a:srgbClr val="954F72"/>
+      </a:folHlink>
+    </a:clrScheme>
+    <a:fontScheme name="Office">
+      <a:majorFont>
+        <a:latin typeface="Calibri Light" panose="020F0302020204030204"/>
+        <a:ea typeface=""/>
+        <a:cs typeface=""/>
+        <a:font script="Jpan" typeface="Yu Gothic Light"/>
+        <a:font script="Hang" typeface="맑은 고딕"/>
+        <a:font script="Hans" typeface="DengXian Light"/>
+        <a:font script="Hant" typeface="新細明體"/>
+        <a:font script="Arab" typeface="Times New Roman"/>
+        <a:font script="Hebr" typeface="Times New Roman"/>
+        <a:font script="Thai" typeface="Angsana New"/>
+        <a:font script="Ethi" typeface="Nyala"/>
+        <a:font script="Beng" typeface="Vrinda"/>
+        <a:font script="Gujr" typeface="Shruti"/>
+        <a:font script="Khmr" typeface="MoolBoran"/>
+        <a:font script="Knda" typeface="Tunga"/>
+        <a:font script="Guru" typeface="Raavi"/>
+        <a:font script="Cans" typeface="Euphemia"/>
+        <a:font script="Cher" typeface="Plantagenet Cherokee"/>
+        <a:font script="Yiii" typeface="Microsoft Yi Baiti"/>
+        <a:font script="Tibt" typeface="Microsoft Himalaya"/>
+        <a:font script="Thaa" typeface="MV Boli"/>
+        <a:font script="Deva" typeface="Mangal"/>
+        <a:font script="Telu" typeface="Gautami"/>
+        <a:font script="Taml" typeface="Latha"/>
+        <a:font script="Syrc" typeface="Estrangelo Edessa"/>
+        <a:font script="Orya" typeface="Kalinga"/>
+        <a:font script="Mlym" typeface="Kartika"/>
+        <a:font script="Laoo" typeface="DokChampa"/>
+        <a:font script="Sinh" typeface="Iskoola Pota"/>
+        <a:font script="Mong" typeface="Mongolian Baiti"/>
+        <a:font script="Viet" typeface="Times New Roman"/>
+        <a:font script="Uigh" typeface="Microsoft Uighur"/>
+        <a:font script="Geor" typeface="Sylfaen"/>
+      </a:majorFont>
+      <a:minorFont>
+        <a:latin typeface="Calibri" panose="020F0502020204030204"/>
+        <a:ea typeface=""/>
+        <a:cs typeface=""/>
+        <a:font script="Jpan" typeface="Yu Gothic"/>
+        <a:font script="Hang" typeface="맑은 고딕"/>
+        <a:font script="Hans" typeface="DengXian"/>
+        <a:font script="Hant" typeface="新細明體"/>
+        <a:font script="Arab" typeface="Arial"/>
+        <a:font script="Hebr" typeface="Arial"/>
+        <a:font script="Thai" typeface="Cordia New"/>
+        <a:font script="Ethi" typeface="Nyala"/>
+        <a:font script="Beng" typeface="Vrinda"/>
+        <a:font script="Gujr" typeface="Shruti"/>
+        <a:font script="Khmr" typeface="DaunPenh"/>
+        <a:font script="Knda" typeface="Tunga"/>
+        <a:font script="Guru" typeface="Raavi"/>
+        <a:font script="Cans" typeface="Euphemia"/>
+        <a:font script="Cher" typeface="Plantagenet Cherokee"/>
+        <a:font script="Yiii" typeface="Microsoft Yi Baiti"/>
+        <a:font script="Tibt" typeface="Microsoft Himalaya"/>
+        <a:font script="Thaa" typeface="MV Boli"/>
+        <a:font script="Deva" typeface="Mangal"/>
+        <a:font script="Telu" typeface="Gautami"/>
+        <a:font script="Taml" typeface="Latha"/>
+        <a:font script="Syrc" typeface="Estrangelo Edessa"/>
+        <a:font script="Orya" typeface="Kalinga"/>
+        <a:font script="Mlym" typeface="Kartika"/>
+        <a:font script="Laoo" typeface="DokChampa"/>
+        <a:font script="Sinh" typeface="Iskoola Pota"/>
+        <a:font script="Mong" typeface="Mongolian Baiti"/>
+        <a:font script="Viet" typeface="Arial"/>
+        <a:font script="Uigh" typeface="Microsoft Uighur"/>
+        <a:font script="Geor" typeface="Sylfaen"/>
+      </a:minorFont>
+    </a:fontScheme>
+    <a:fmtScheme name="Office">
+      <a:fillStyleLst>
+        <a:solidFill>
+          <a:schemeClr val="phClr"/>
+        </a:solidFill>
+        <a:gradFill rotWithShape="1">
+          <a:gsLst>
+            <a:gs pos="0">
+              <a:schemeClr val="phClr">
+                <a:lumMod val="110000"/>
+                <a:satMod val="105000"/>
+                <a:tint val="67000"/>
+              </a:schemeClr>
+            </a:gs>
+            <a:gs pos="50000">
+              <a:schemeClr val="phClr">
+                <a:lumMod val="105000"/>
+                <a:satMod val="103000"/>
+                <a:tint val="73000"/>
+              </a:schemeClr>
+            </a:gs>
+            <a:gs pos="100000">
+              <a:schemeClr val="phClr">
+                <a:lumMod val="105000"/>
+                <a:satMod val="109000"/>
+                <a:tint val="81000"/>
+              </a:schemeClr>
+            </a:gs>
+          </a:gsLst>
+          <a:lin ang="5400000" scaled="0"/>
+        </a:gradFill>
+        <a:gradFill rotWithShape="1">
+          <a:gsLst>
+            <a:gs pos="0">
+              <a:schemeClr val="phClr">
+                <a:satMod val="103000"/>
+                <a:lumMod val="102000"/>
+                <a:tint val="94000"/>
+              </a:schemeClr>
+            </a:gs>
+            <a:gs pos="50000">
+              <a:schemeClr val="phClr">
+                <a:satMod val="110000"/>
+                <a:lumMod val="100000"/>
+                <a:shade val="100000"/>
+              </a:schemeClr>
+            </a:gs>
+            <a:gs pos="100000">
+              <a:schemeClr val="phClr">
+                <a:lumMod val="99000"/>
+                <a:satMod val="120000"/>
+                <a:shade val="78000"/>
+              </a:schemeClr>
+            </a:gs>
+          </a:gsLst>
+          <a:lin ang="5400000" scaled="0"/>
+        </a:gradFill>
+      </a:fillStyleLst>
+      <a:lnStyleLst>
+        <a:ln w="6350" cap="flat" cmpd="sng" algn="ctr">
+          <a:solidFill>
+            <a:schemeClr val="phClr"/>
+          </a:solidFill>
+          <a:prstDash val="solid"/>
+          <a:miter lim="800000"/>
+        </a:ln>
+        <a:ln w="12700" cap="flat" cmpd="sng" algn="ctr">
+          <a:solidFill>
+            <a:schemeClr val="phClr"/>
+          </a:solidFill>
+          <a:prstDash val="solid"/>
+          <a:miter lim="800000"/>
+        </a:ln>
+        <a:ln w="19050" cap="flat" cmpd="sng" algn="ctr">
+          <a:solidFill>
+            <a:schemeClr val="phClr"/>
+          </a:solidFill>
+          <a:prstDash val="solid"/>
+          <a:miter lim="800000"/>
+        </a:ln>
+      </a:lnStyleLst>
+      <a:effectStyleLst>
+        <a:effectStyle>
+          <a:effectLst/>
+        </a:effectStyle>
+        <a:effectStyle>
+          <a:effectLst/>
+        </a:effectStyle>
+        <a:effectStyle>
+          <a:effectLst>
+            <a:outerShdw blurRad="57150" dist="19050" dir="5400000" algn="ctr" rotWithShape="0">
+              <a:srgbClr val="000000">
+                <a:alpha val="63000"/>
+              </a:srgbClr>
+            </a:outerShdw>
+          </a:effectLst>
+        </a:effectStyle>
+      </a:effectStyleLst>
+      <a:bgFillStyleLst>
+        <a:solidFill>
+          <a:schemeClr val="phClr"/>
+        </a:solidFill>
+        <a:solidFill>
+          <a:schemeClr val="phClr">
+            <a:tint val="95000"/>
+            <a:satMod val="170000"/>
+          </a:schemeClr>
+        </a:solidFill>
+        <a:gradFill rotWithShape="1">
+          <a:gsLst>
+            <a:gs pos="0">
+              <a:schemeClr val="phClr">
+                <a:tint val="93000"/>
+                <a:satMod val="150000"/>
+                <a:shade val="98000"/>
+                <a:lumMod val="102000"/>
+              </a:schemeClr>
+            </a:gs>
+            <a:gs pos="50000">
+              <a:schemeClr val="phClr">
+                <a:tint val="98000"/>
+                <a:satMod val="130000"/>
+                <a:shade val="90000"/>
+                <a:lumMod val="103000"/>
+              </a:schemeClr>
+            </a:gs>
+            <a:gs pos="100000">
+              <a:schemeClr val="phClr">
+                <a:shade val="63000"/>
+                <a:satMod val="120000"/>
+              </a:schemeClr>
+            </a:gs>
+          </a:gsLst>
+          <a:lin ang="5400000" scaled="0"/>
+        </a:gradFill>
+      </a:bgFillStyleLst>
+    </a:fmtScheme>
+  </a:themeElements>
+  <a:objectDefaults/>
+  <a:extraClrSchemeLst/>
+  <a:extLst>
+    <a:ext uri="{05A4C25C-085E-4340-85A3-A5531E510DB2}">
+      <thm15:themeFamily xmlns:thm15="http://schemas.microsoft.com/office/thememl/2012/main" name="Office Theme" id="{62F939B6-93AF-4DB8-9C6B-D6C7DFDC589F}" vid="{4A3C46E8-61CC-4603-A589-7422A47A8E4A}"/>
+    </a:ext>
+  </a:extLst>
+</a:theme>
 </file>
--- a/presentation-mvg.pptx
+++ b/presentation-mvg.pptx
@@ -12,7 +12,7 @@
   </p:handoutMasterIdLst>
   <p:sldIdLst>
     <p:sldId id="256" r:id="rId2"/>
-    <p:sldId id="260" r:id="rId3"/>
+    <p:sldId id="269" r:id="rId3"/>
     <p:sldId id="264" r:id="rId4"/>
     <p:sldId id="265" r:id="rId5"/>
     <p:sldId id="263" r:id="rId6"/>
@@ -6302,284 +6302,66 @@
       </p:grpSpPr>
       <p:sp>
         <p:nvSpPr>
-          <p:cNvPr id="10" name="Inhaltsplatzhalter 2"/>
-          <p:cNvSpPr txBox="1">
-            <a:spLocks/>
-          </p:cNvSpPr>
-          <p:nvPr/>
-        </p:nvSpPr>
-        <p:spPr>
-          <a:xfrm>
-            <a:off x="1443319" y="2218394"/>
-            <a:ext cx="923364" cy="506754"/>
-          </a:xfrm>
-          <a:prstGeom prst="rect">
-            <a:avLst/>
-          </a:prstGeom>
-        </p:spPr>
-        <p:txBody>
-          <a:bodyPr vert="horz" lIns="91440" tIns="45720" rIns="91440" bIns="45720" rtlCol="0" anchor="ctr">
-            <a:noAutofit/>
-          </a:bodyPr>
-          <a:lstStyle>
-            <a:lvl1pPr marL="285750" indent="-285750" algn="l" defTabSz="457200" rtl="0" eaLnBrk="1" latinLnBrk="0" hangingPunct="1">
-              <a:spcBef>
-                <a:spcPts val="0"/>
-              </a:spcBef>
-              <a:spcAft>
-                <a:spcPts val="1000"/>
-              </a:spcAft>
-              <a:buClr>
-                <a:schemeClr val="tx1"/>
-              </a:buClr>
-              <a:buSzPct val="100000"/>
-              <a:buFont typeface="Arial"/>
-              <a:buChar char="•"/>
-              <a:defRPr sz="1800" kern="1200" cap="none">
-                <a:solidFill>
-                  <a:schemeClr val="tx1"/>
-                </a:solidFill>
-                <a:effectLst/>
-                <a:latin typeface="+mn-lt"/>
-                <a:ea typeface="+mn-ea"/>
-                <a:cs typeface="+mn-cs"/>
-              </a:defRPr>
-            </a:lvl1pPr>
-            <a:lvl2pPr marL="742950" indent="-285750" algn="l" defTabSz="457200" rtl="0" eaLnBrk="1" latinLnBrk="0" hangingPunct="1">
-              <a:spcBef>
-                <a:spcPts val="0"/>
-              </a:spcBef>
-              <a:spcAft>
-                <a:spcPts val="1000"/>
-              </a:spcAft>
-              <a:buClr>
-                <a:schemeClr val="tx1"/>
-              </a:buClr>
-              <a:buSzPct val="100000"/>
-              <a:buFont typeface="Arial"/>
-              <a:buChar char="•"/>
-              <a:defRPr sz="1600" kern="1200" cap="none">
-                <a:solidFill>
-                  <a:schemeClr val="tx1"/>
-                </a:solidFill>
-                <a:effectLst/>
-                <a:latin typeface="+mn-lt"/>
-                <a:ea typeface="+mn-ea"/>
-                <a:cs typeface="+mn-cs"/>
-              </a:defRPr>
-            </a:lvl2pPr>
-            <a:lvl3pPr marL="1200150" indent="-285750" algn="l" defTabSz="457200" rtl="0" eaLnBrk="1" latinLnBrk="0" hangingPunct="1">
-              <a:spcBef>
-                <a:spcPts val="0"/>
-              </a:spcBef>
-              <a:spcAft>
-                <a:spcPts val="1000"/>
-              </a:spcAft>
-              <a:buClr>
-                <a:schemeClr val="tx1"/>
-              </a:buClr>
-              <a:buSzPct val="100000"/>
-              <a:buFont typeface="Arial"/>
-              <a:buChar char="•"/>
-              <a:defRPr sz="1400" kern="1200" cap="none">
-                <a:solidFill>
-                  <a:schemeClr val="tx1"/>
-                </a:solidFill>
-                <a:effectLst/>
-                <a:latin typeface="+mn-lt"/>
-                <a:ea typeface="+mn-ea"/>
-                <a:cs typeface="+mn-cs"/>
-              </a:defRPr>
-            </a:lvl3pPr>
-            <a:lvl4pPr marL="1543050" indent="-171450" algn="l" defTabSz="457200" rtl="0" eaLnBrk="1" latinLnBrk="0" hangingPunct="1">
-              <a:spcBef>
-                <a:spcPts val="0"/>
-              </a:spcBef>
-              <a:spcAft>
-                <a:spcPts val="1000"/>
-              </a:spcAft>
-              <a:buClr>
-                <a:schemeClr val="tx1"/>
-              </a:buClr>
-              <a:buSzPct val="100000"/>
-              <a:buFont typeface="Arial"/>
-              <a:buChar char="•"/>
-              <a:defRPr sz="1200" kern="1200" cap="none">
-                <a:solidFill>
-                  <a:schemeClr val="tx1"/>
-                </a:solidFill>
-                <a:effectLst/>
-                <a:latin typeface="+mn-lt"/>
-                <a:ea typeface="+mn-ea"/>
-                <a:cs typeface="+mn-cs"/>
-              </a:defRPr>
-            </a:lvl4pPr>
-            <a:lvl5pPr marL="2000250" indent="-171450" algn="l" defTabSz="457200" rtl="0" eaLnBrk="1" latinLnBrk="0" hangingPunct="1">
-              <a:spcBef>
-                <a:spcPts val="0"/>
-              </a:spcBef>
-              <a:spcAft>
-                <a:spcPts val="1000"/>
-              </a:spcAft>
-              <a:buClr>
-                <a:schemeClr val="tx1"/>
-              </a:buClr>
-              <a:buSzPct val="100000"/>
-              <a:buFont typeface="Arial"/>
-              <a:buChar char="•"/>
-              <a:defRPr sz="1200" kern="1200" cap="none">
-                <a:solidFill>
-                  <a:schemeClr val="tx1"/>
-                </a:solidFill>
-                <a:effectLst/>
-                <a:latin typeface="+mn-lt"/>
-                <a:ea typeface="+mn-ea"/>
-                <a:cs typeface="+mn-cs"/>
-              </a:defRPr>
-            </a:lvl5pPr>
-            <a:lvl6pPr marL="2514600" indent="-228600" algn="l" defTabSz="457200" rtl="0" eaLnBrk="1" latinLnBrk="0" hangingPunct="1">
-              <a:spcBef>
-                <a:spcPts val="0"/>
-              </a:spcBef>
-              <a:spcAft>
-                <a:spcPts val="1000"/>
-              </a:spcAft>
-              <a:buClr>
-                <a:schemeClr val="tx1"/>
-              </a:buClr>
-              <a:buSzPct val="100000"/>
-              <a:buFont typeface="Arial"/>
-              <a:buChar char="•"/>
-              <a:defRPr sz="1200" kern="1200" cap="none">
-                <a:solidFill>
-                  <a:schemeClr val="tx1"/>
-                </a:solidFill>
-                <a:effectLst/>
-                <a:latin typeface="+mn-lt"/>
-                <a:ea typeface="+mn-ea"/>
-                <a:cs typeface="+mn-cs"/>
-              </a:defRPr>
-            </a:lvl6pPr>
-            <a:lvl7pPr marL="2971800" indent="-228600" algn="l" defTabSz="457200" rtl="0" eaLnBrk="1" latinLnBrk="0" hangingPunct="1">
-              <a:spcBef>
-                <a:spcPts val="0"/>
-              </a:spcBef>
-              <a:spcAft>
-                <a:spcPts val="1000"/>
-              </a:spcAft>
-              <a:buClr>
-                <a:schemeClr val="tx1"/>
-              </a:buClr>
-              <a:buSzPct val="100000"/>
-              <a:buFont typeface="Arial"/>
-              <a:buChar char="•"/>
-              <a:defRPr sz="1200" kern="1200" cap="none">
-                <a:solidFill>
-                  <a:schemeClr val="tx1"/>
-                </a:solidFill>
-                <a:effectLst/>
-                <a:latin typeface="+mn-lt"/>
-                <a:ea typeface="+mn-ea"/>
-                <a:cs typeface="+mn-cs"/>
-              </a:defRPr>
-            </a:lvl7pPr>
-            <a:lvl8pPr marL="3429000" indent="-228600" algn="l" defTabSz="457200" rtl="0" eaLnBrk="1" latinLnBrk="0" hangingPunct="1">
-              <a:spcBef>
-                <a:spcPts val="0"/>
-              </a:spcBef>
-              <a:spcAft>
-                <a:spcPts val="1000"/>
-              </a:spcAft>
-              <a:buClr>
-                <a:schemeClr val="tx1"/>
-              </a:buClr>
-              <a:buSzPct val="100000"/>
-              <a:buFont typeface="Arial"/>
-              <a:buChar char="•"/>
-              <a:defRPr sz="1200" kern="1200" cap="none">
-                <a:solidFill>
-                  <a:schemeClr val="tx1"/>
-                </a:solidFill>
-                <a:effectLst/>
-                <a:latin typeface="+mn-lt"/>
-                <a:ea typeface="+mn-ea"/>
-                <a:cs typeface="+mn-cs"/>
-              </a:defRPr>
-            </a:lvl8pPr>
-            <a:lvl9pPr marL="3886200" indent="-228600" algn="l" defTabSz="457200" rtl="0" eaLnBrk="1" latinLnBrk="0" hangingPunct="1">
-              <a:spcBef>
-                <a:spcPts val="0"/>
-              </a:spcBef>
-              <a:spcAft>
-                <a:spcPts val="1000"/>
-              </a:spcAft>
-              <a:buClr>
-                <a:schemeClr val="tx1"/>
-              </a:buClr>
-              <a:buSzPct val="100000"/>
-              <a:buFont typeface="Arial"/>
-              <a:buChar char="•"/>
-              <a:defRPr sz="1200" kern="1200" cap="none">
-                <a:solidFill>
-                  <a:schemeClr val="tx1"/>
-                </a:solidFill>
-                <a:effectLst/>
-                <a:latin typeface="+mn-lt"/>
-                <a:ea typeface="+mn-ea"/>
-                <a:cs typeface="+mn-cs"/>
-              </a:defRPr>
-            </a:lvl9pPr>
-          </a:lstStyle>
-          <a:p>
-            <a:pPr marL="0" indent="0">
-              <a:buFont typeface="Arial"/>
-              <a:buNone/>
-            </a:pPr>
-            <a:endParaRPr lang="de-DE" sz="8800" b="1" dirty="0">
-              <a:solidFill>
-                <a:srgbClr val="FF0000"/>
-              </a:solidFill>
-              <a:latin typeface="Helvetica" charset="0"/>
-              <a:ea typeface="Helvetica" charset="0"/>
-              <a:cs typeface="Helvetica" charset="0"/>
-            </a:endParaRPr>
-          </a:p>
-        </p:txBody>
-      </p:sp>
-      <p:pic>
-        <p:nvPicPr>
-          <p:cNvPr id="8" name="Bild 7"/>
-          <p:cNvPicPr>
-            <a:picLocks noChangeAspect="1"/>
-          </p:cNvPicPr>
-          <p:nvPr/>
-        </p:nvPicPr>
-        <p:blipFill>
-          <a:blip r:embed="rId2">
-            <a:extLst>
-              <a:ext uri="{28A0092B-C50C-407E-A947-70E740481C1C}">
-                <a14:useLocalDpi xmlns:a14="http://schemas.microsoft.com/office/drawing/2010/main" val="0"/>
-              </a:ext>
-            </a:extLst>
-          </a:blip>
-          <a:stretch>
-            <a:fillRect/>
-          </a:stretch>
-        </p:blipFill>
-        <p:spPr>
-          <a:xfrm>
-            <a:off x="1079500" y="0"/>
-            <a:ext cx="10011189" cy="6858000"/>
-          </a:xfrm>
-          <a:prstGeom prst="rect">
-            <a:avLst/>
-          </a:prstGeom>
-        </p:spPr>
-      </p:pic>
+          <p:cNvPr id="2" name="Title 1"/>
+          <p:cNvSpPr>
+            <a:spLocks noGrp="1"/>
+          </p:cNvSpPr>
+          <p:nvPr>
+            <p:ph type="ctrTitle"/>
+          </p:nvPr>
+        </p:nvSpPr>
+        <p:spPr/>
+        <p:txBody>
+          <a:bodyPr/>
+          <a:lstStyle/>
+          <a:p>
+            <a:r>
+              <a:rPr lang="en-US" dirty="0" smtClean="0"/>
+              <a:t>THE BEE TEAM</a:t>
+            </a:r>
+            <a:endParaRPr lang="en-US" dirty="0"/>
+          </a:p>
+        </p:txBody>
+      </p:sp>
+      <p:sp>
+        <p:nvSpPr>
+          <p:cNvPr id="3" name="Subtitle 2"/>
+          <p:cNvSpPr>
+            <a:spLocks noGrp="1"/>
+          </p:cNvSpPr>
+          <p:nvPr>
+            <p:ph type="subTitle" idx="1"/>
+          </p:nvPr>
+        </p:nvSpPr>
+        <p:spPr/>
+        <p:txBody>
+          <a:bodyPr/>
+          <a:lstStyle/>
+          <a:p>
+            <a:r>
+              <a:rPr lang="en-US" dirty="0" smtClean="0"/>
+              <a:t>MVG RAD: For </a:t>
+            </a:r>
+            <a:r>
+              <a:rPr lang="en-US" dirty="0" err="1" smtClean="0"/>
+              <a:t>Stadt</a:t>
+            </a:r>
+            <a:r>
+              <a:rPr lang="en-US" dirty="0" smtClean="0"/>
+              <a:t> </a:t>
+            </a:r>
+            <a:r>
+              <a:rPr lang="en-US" dirty="0" err="1" smtClean="0"/>
+              <a:t>München</a:t>
+            </a:r>
+            <a:endParaRPr lang="en-US" dirty="0"/>
+          </a:p>
+        </p:txBody>
+      </p:sp>
     </p:spTree>
     <p:extLst>
       <p:ext uri="{BB962C8B-B14F-4D97-AF65-F5344CB8AC3E}">
-        <p14:creationId xmlns:p14="http://schemas.microsoft.com/office/powerpoint/2010/main" val="832841248"/>
+        <p14:creationId xmlns:p14="http://schemas.microsoft.com/office/powerpoint/2010/main" val="1671170399"/>
       </p:ext>
     </p:extLst>
   </p:cSld>
